--- a/ppt/003 - Spread Operator.pptx
+++ b/ppt/003 - Spread Operator.pptx
@@ -4300,9 +4300,9 @@
       </p:par>
     </p:tnLst>
     <p:bldLst>
+      <p:bldP build="whole" bldLvl="1" animBg="1" rev="0" advAuto="0" spid="108" grpId="3"/>
       <p:bldP build="whole" bldLvl="1" animBg="1" rev="0" advAuto="0" spid="107" grpId="2"/>
       <p:bldP build="p" bldLvl="1" animBg="1" rev="0" advAuto="0" spid="106" grpId="1"/>
-      <p:bldP build="whole" bldLvl="1" animBg="1" rev="0" advAuto="0" spid="108" grpId="3"/>
     </p:bldLst>
   </p:timing>
 </p:sld>
@@ -5579,9 +5579,9 @@
       </p:par>
     </p:tnLst>
     <p:bldLst>
+      <p:bldP build="whole" bldLvl="1" animBg="1" rev="0" advAuto="0" spid="117" grpId="1"/>
       <p:bldP build="whole" bldLvl="1" animBg="1" rev="0" advAuto="0" spid="119" grpId="3"/>
       <p:bldP build="whole" bldLvl="1" animBg="1" rev="0" advAuto="0" spid="118" grpId="2"/>
-      <p:bldP build="whole" bldLvl="1" animBg="1" rev="0" advAuto="0" spid="117" grpId="1"/>
     </p:bldLst>
   </p:timing>
 </p:sld>

--- a/ppt/003 - Spread Operator.pptx
+++ b/ppt/003 - Spread Operator.pptx
@@ -1,26 +1,26 @@
 
 <file path=ppt/presentation.xml><?xml version="1.0" encoding="utf-8"?>
-<p:presentation xmlns:a="http://schemas.openxmlformats.org/drawingml/2006/main" xmlns:r="http://schemas.openxmlformats.org/officeDocument/2006/relationships" xmlns:p="http://schemas.openxmlformats.org/presentationml/2006/main" xmlns:m="http://schemas.openxmlformats.org/officeDocument/2006/math" xmlns:a14="http://schemas.microsoft.com/office/drawing/2010/main">
+<p:presentation xmlns:a="http://schemas.openxmlformats.org/drawingml/2006/main" xmlns:r="http://schemas.openxmlformats.org/officeDocument/2006/relationships" xmlns:p="http://schemas.openxmlformats.org/presentationml/2006/main">
   <p:sldMasterIdLst>
-    <p:sldMasterId id="2147483648" r:id="rId5"/>
+    <p:sldMasterId id="2147483648" r:id="rId1"/>
   </p:sldMasterIdLst>
   <p:notesMasterIdLst>
-    <p:notesMasterId r:id="rId7"/>
+    <p:notesMasterId r:id="rId15"/>
   </p:notesMasterIdLst>
   <p:sldIdLst>
-    <p:sldId id="256" r:id="rId8"/>
-    <p:sldId id="257" r:id="rId9"/>
-    <p:sldId id="258" r:id="rId10"/>
-    <p:sldId id="259" r:id="rId11"/>
-    <p:sldId id="260" r:id="rId12"/>
-    <p:sldId id="261" r:id="rId13"/>
-    <p:sldId id="262" r:id="rId14"/>
-    <p:sldId id="263" r:id="rId15"/>
-    <p:sldId id="264" r:id="rId16"/>
-    <p:sldId id="265" r:id="rId17"/>
-    <p:sldId id="266" r:id="rId18"/>
-    <p:sldId id="267" r:id="rId19"/>
-    <p:sldId id="268" r:id="rId20"/>
+    <p:sldId id="256" r:id="rId2"/>
+    <p:sldId id="257" r:id="rId3"/>
+    <p:sldId id="258" r:id="rId4"/>
+    <p:sldId id="259" r:id="rId5"/>
+    <p:sldId id="260" r:id="rId6"/>
+    <p:sldId id="261" r:id="rId7"/>
+    <p:sldId id="262" r:id="rId8"/>
+    <p:sldId id="263" r:id="rId9"/>
+    <p:sldId id="264" r:id="rId10"/>
+    <p:sldId id="265" r:id="rId11"/>
+    <p:sldId id="266" r:id="rId12"/>
+    <p:sldId id="267" r:id="rId13"/>
+    <p:sldId id="268" r:id="rId14"/>
   </p:sldIdLst>
   <p:sldSz cx="12192000" cy="6858000"/>
   <p:notesSz cx="6858000" cy="9144000"/>
@@ -40,7 +40,7 @@
       <a:buFontTx/>
       <a:buNone/>
       <a:tabLst/>
-      <a:defRPr b="0" baseline="0" cap="none" i="0" spc="0" strike="noStrike" sz="1800" u="none" kumimoji="0" normalizeH="0">
+      <a:defRPr kumimoji="0" sz="1800" b="0" i="0" u="none" strike="noStrike" cap="none" spc="0" normalizeH="0" baseline="0">
         <a:ln>
           <a:noFill/>
         </a:ln>
@@ -66,7 +66,7 @@
       <a:buFontTx/>
       <a:buNone/>
       <a:tabLst/>
-      <a:defRPr b="0" baseline="0" cap="none" i="0" spc="0" strike="noStrike" sz="1800" u="none" kumimoji="0" normalizeH="0">
+      <a:defRPr kumimoji="0" sz="1800" b="0" i="0" u="none" strike="noStrike" cap="none" spc="0" normalizeH="0" baseline="0">
         <a:ln>
           <a:noFill/>
         </a:ln>
@@ -96,7 +96,7 @@
       <a:buFontTx/>
       <a:buNone/>
       <a:tabLst/>
-      <a:defRPr b="0" baseline="0" cap="none" i="0" spc="0" strike="noStrike" sz="1800" u="none" kumimoji="0" normalizeH="0">
+      <a:defRPr kumimoji="0" sz="1800" b="0" i="0" u="none" strike="noStrike" cap="none" spc="0" normalizeH="0" baseline="0">
         <a:ln>
           <a:noFill/>
         </a:ln>
@@ -126,7 +126,7 @@
       <a:buFontTx/>
       <a:buNone/>
       <a:tabLst/>
-      <a:defRPr b="0" baseline="0" cap="none" i="0" spc="0" strike="noStrike" sz="1800" u="none" kumimoji="0" normalizeH="0">
+      <a:defRPr kumimoji="0" sz="1800" b="0" i="0" u="none" strike="noStrike" cap="none" spc="0" normalizeH="0" baseline="0">
         <a:ln>
           <a:noFill/>
         </a:ln>
@@ -156,7 +156,7 @@
       <a:buFontTx/>
       <a:buNone/>
       <a:tabLst/>
-      <a:defRPr b="0" baseline="0" cap="none" i="0" spc="0" strike="noStrike" sz="1800" u="none" kumimoji="0" normalizeH="0">
+      <a:defRPr kumimoji="0" sz="1800" b="0" i="0" u="none" strike="noStrike" cap="none" spc="0" normalizeH="0" baseline="0">
         <a:ln>
           <a:noFill/>
         </a:ln>
@@ -186,7 +186,7 @@
       <a:buFontTx/>
       <a:buNone/>
       <a:tabLst/>
-      <a:defRPr b="0" baseline="0" cap="none" i="0" spc="0" strike="noStrike" sz="1800" u="none" kumimoji="0" normalizeH="0">
+      <a:defRPr kumimoji="0" sz="1800" b="0" i="0" u="none" strike="noStrike" cap="none" spc="0" normalizeH="0" baseline="0">
         <a:ln>
           <a:noFill/>
         </a:ln>
@@ -216,7 +216,7 @@
       <a:buFontTx/>
       <a:buNone/>
       <a:tabLst/>
-      <a:defRPr b="0" baseline="0" cap="none" i="0" spc="0" strike="noStrike" sz="1800" u="none" kumimoji="0" normalizeH="0">
+      <a:defRPr kumimoji="0" sz="1800" b="0" i="0" u="none" strike="noStrike" cap="none" spc="0" normalizeH="0" baseline="0">
         <a:ln>
           <a:noFill/>
         </a:ln>
@@ -246,7 +246,7 @@
       <a:buFontTx/>
       <a:buNone/>
       <a:tabLst/>
-      <a:defRPr b="0" baseline="0" cap="none" i="0" spc="0" strike="noStrike" sz="1800" u="none" kumimoji="0" normalizeH="0">
+      <a:defRPr kumimoji="0" sz="1800" b="0" i="0" u="none" strike="noStrike" cap="none" spc="0" normalizeH="0" baseline="0">
         <a:ln>
           <a:noFill/>
         </a:ln>
@@ -276,7 +276,7 @@
       <a:buFontTx/>
       <a:buNone/>
       <a:tabLst/>
-      <a:defRPr b="0" baseline="0" cap="none" i="0" spc="0" strike="noStrike" sz="1800" u="none" kumimoji="0" normalizeH="0">
+      <a:defRPr kumimoji="0" sz="1800" b="0" i="0" u="none" strike="noStrike" cap="none" spc="0" normalizeH="0" baseline="0">
         <a:ln>
           <a:noFill/>
         </a:ln>
@@ -306,7 +306,7 @@
       <a:buFontTx/>
       <a:buNone/>
       <a:tabLst/>
-      <a:defRPr b="0" baseline="0" cap="none" i="0" spc="0" strike="noStrike" sz="1800" u="none" kumimoji="0" normalizeH="0">
+      <a:defRPr kumimoji="0" sz="1800" b="0" i="0" u="none" strike="noStrike" cap="none" spc="0" normalizeH="0" baseline="0">
         <a:ln>
           <a:noFill/>
         </a:ln>
@@ -322,16 +322,22 @@
       </a:defRPr>
     </a:lvl9pPr>
   </p:defaultTextStyle>
+  <p:extLst>
+    <p:ext uri="{EFAFB233-063F-42B5-8137-9DF3F51BA10A}">
+      <p15:sldGuideLst xmlns:p15="http://schemas.microsoft.com/office/powerpoint/2012/main"/>
+    </p:ext>
+  </p:extLst>
 </p:presentation>
 </file>
 
-<file path=ppt/commentAuthors.xml><?xml version="1.0" encoding="utf-8"?>
-<p:cmAuthorLst xmlns:a="http://schemas.openxmlformats.org/drawingml/2006/main" xmlns:r="http://schemas.openxmlformats.org/officeDocument/2006/relationships" xmlns:p="http://schemas.openxmlformats.org/presentationml/2006/main" xmlns:m="http://schemas.openxmlformats.org/officeDocument/2006/math" xmlns:a14="http://schemas.microsoft.com/office/drawing/2010/main"/>
-</file>
-
 <file path=ppt/notesMasters/notesMaster1.xml><?xml version="1.0" encoding="utf-8"?>
-<p:notesMaster xmlns:a="http://schemas.openxmlformats.org/drawingml/2006/main" xmlns:r="http://schemas.openxmlformats.org/officeDocument/2006/relationships" xmlns:p="http://schemas.openxmlformats.org/presentationml/2006/main" xmlns:m="http://schemas.openxmlformats.org/officeDocument/2006/math" xmlns:a14="http://schemas.microsoft.com/office/drawing/2010/main">
+<p:notesMaster xmlns:a="http://schemas.openxmlformats.org/drawingml/2006/main" xmlns:r="http://schemas.openxmlformats.org/officeDocument/2006/relationships" xmlns:p="http://schemas.openxmlformats.org/presentationml/2006/main">
   <p:cSld>
+    <p:bg>
+      <p:bgRef idx="1001">
+        <a:schemeClr val="bg1"/>
+      </p:bgRef>
+    </p:bg>
     <p:spTree>
       <p:nvGrpSpPr>
         <p:cNvPr id="1" name=""/>
@@ -349,7 +355,9 @@
       <p:sp>
         <p:nvSpPr>
           <p:cNvPr id="91" name="Shape 91"/>
-          <p:cNvSpPr/>
+          <p:cNvSpPr>
+            <a:spLocks noGrp="1" noRot="1" noChangeAspect="1"/>
+          </p:cNvSpPr>
           <p:nvPr>
             <p:ph type="sldImg"/>
           </p:nvPr>
@@ -367,14 +375,16 @@
           <a:bodyPr/>
           <a:lstStyle/>
           <a:p>
-            <a:pPr/>
+            <a:endParaRPr/>
           </a:p>
         </p:txBody>
       </p:sp>
       <p:sp>
         <p:nvSpPr>
           <p:cNvPr id="92" name="Shape 92"/>
-          <p:cNvSpPr/>
+          <p:cNvSpPr>
+            <a:spLocks noGrp="1"/>
+          </p:cNvSpPr>
           <p:nvPr>
             <p:ph type="body" sz="quarter" idx="1"/>
           </p:nvPr>
@@ -392,7 +402,7 @@
           <a:bodyPr/>
           <a:lstStyle/>
           <a:p>
-            <a:pPr/>
+            <a:endParaRPr/>
           </a:p>
         </p:txBody>
       </p:sp>
@@ -477,7 +487,7 @@
 </file>
 
 <file path=ppt/slideLayouts/slideLayout1.xml><?xml version="1.0" encoding="utf-8"?>
-<p:sldLayout xmlns:a="http://schemas.openxmlformats.org/drawingml/2006/main" xmlns:r="http://schemas.openxmlformats.org/officeDocument/2006/relationships" xmlns:p="http://schemas.openxmlformats.org/presentationml/2006/main" xmlns:m="http://schemas.openxmlformats.org/officeDocument/2006/math" xmlns:a14="http://schemas.microsoft.com/office/drawing/2010/main" type="title" showMasterSp="1" showMasterPhAnim="1">
+<p:sldLayout xmlns:a="http://schemas.openxmlformats.org/drawingml/2006/main" xmlns:r="http://schemas.openxmlformats.org/officeDocument/2006/relationships" xmlns:p="http://schemas.openxmlformats.org/presentationml/2006/main" type="title">
   <p:cSld name="Title Slide">
     <p:spTree>
       <p:nvGrpSpPr>
@@ -496,7 +506,9 @@
       <p:sp>
         <p:nvSpPr>
           <p:cNvPr id="11" name="Title Text"/>
-          <p:cNvSpPr txBox="1"/>
+          <p:cNvSpPr txBox="1">
+            <a:spLocks noGrp="1"/>
+          </p:cNvSpPr>
           <p:nvPr>
             <p:ph type="title"/>
           </p:nvPr>
@@ -518,7 +530,6 @@
             </a:lvl1pPr>
           </a:lstStyle>
           <a:p>
-            <a:pPr/>
             <a:r>
               <a:t>Title Text</a:t>
             </a:r>
@@ -528,7 +539,9 @@
       <p:sp>
         <p:nvSpPr>
           <p:cNvPr id="12" name="Body Level One…"/>
-          <p:cNvSpPr txBox="1"/>
+          <p:cNvSpPr txBox="1">
+            <a:spLocks noGrp="1"/>
+          </p:cNvSpPr>
           <p:nvPr>
             <p:ph type="body" sz="quarter" idx="1"/>
           </p:nvPr>
@@ -577,7 +590,6 @@
             </a:lvl5pPr>
           </a:lstStyle>
           <a:p>
-            <a:pPr/>
             <a:r>
               <a:t>Body Level One</a:t>
             </a:r>
@@ -611,7 +623,9 @@
       <p:sp>
         <p:nvSpPr>
           <p:cNvPr id="13" name="Slide Number"/>
-          <p:cNvSpPr txBox="1"/>
+          <p:cNvSpPr txBox="1">
+            <a:spLocks noGrp="1"/>
+          </p:cNvSpPr>
           <p:nvPr>
             <p:ph type="sldNum" sz="quarter" idx="2"/>
           </p:nvPr>
@@ -625,8 +639,10 @@
           <a:bodyPr/>
           <a:lstStyle/>
           <a:p>
-            <a:pPr/>
-            <a:fld id="{86CB4B4D-7CA3-9044-876B-883B54F8677D}" type="slidenum"/>
+            <a:fld id="{86CB4B4D-7CA3-9044-876B-883B54F8677D}" type="slidenum">
+              <a:t>‹#›</a:t>
+            </a:fld>
+            <a:endParaRPr/>
           </a:p>
         </p:txBody>
       </p:sp>
@@ -635,12 +651,12 @@
   <p:clrMapOvr>
     <a:masterClrMapping/>
   </p:clrMapOvr>
-  <p:transition xmlns:p14="http://schemas.microsoft.com/office/powerpoint/2010/main" spd="med" advClick="1"/>
+  <p:transition spd="med"/>
 </p:sldLayout>
 </file>
 
 <file path=ppt/slideLayouts/slideLayout2.xml><?xml version="1.0" encoding="utf-8"?>
-<p:sldLayout xmlns:a="http://schemas.openxmlformats.org/drawingml/2006/main" xmlns:r="http://schemas.openxmlformats.org/officeDocument/2006/relationships" xmlns:p="http://schemas.openxmlformats.org/presentationml/2006/main" xmlns:m="http://schemas.openxmlformats.org/officeDocument/2006/math" xmlns:a14="http://schemas.microsoft.com/office/drawing/2010/main" type="tx" showMasterSp="1" showMasterPhAnim="1">
+<p:sldLayout xmlns:a="http://schemas.openxmlformats.org/drawingml/2006/main" xmlns:r="http://schemas.openxmlformats.org/officeDocument/2006/relationships" xmlns:p="http://schemas.openxmlformats.org/presentationml/2006/main" type="tx">
   <p:cSld name="Title and Content">
     <p:spTree>
       <p:nvGrpSpPr>
@@ -659,7 +675,9 @@
       <p:sp>
         <p:nvSpPr>
           <p:cNvPr id="20" name="Title Text"/>
-          <p:cNvSpPr txBox="1"/>
+          <p:cNvSpPr txBox="1">
+            <a:spLocks noGrp="1"/>
+          </p:cNvSpPr>
           <p:nvPr>
             <p:ph type="title"/>
           </p:nvPr>
@@ -673,7 +691,6 @@
           <a:bodyPr/>
           <a:lstStyle/>
           <a:p>
-            <a:pPr/>
             <a:r>
               <a:t>Title Text</a:t>
             </a:r>
@@ -683,7 +700,9 @@
       <p:sp>
         <p:nvSpPr>
           <p:cNvPr id="21" name="Body Level One…"/>
-          <p:cNvSpPr txBox="1"/>
+          <p:cNvSpPr txBox="1">
+            <a:spLocks noGrp="1"/>
+          </p:cNvSpPr>
           <p:nvPr>
             <p:ph type="body" idx="1"/>
           </p:nvPr>
@@ -697,7 +716,6 @@
           <a:bodyPr/>
           <a:lstStyle/>
           <a:p>
-            <a:pPr/>
             <a:r>
               <a:t>Body Level One</a:t>
             </a:r>
@@ -731,7 +749,9 @@
       <p:sp>
         <p:nvSpPr>
           <p:cNvPr id="22" name="Slide Number"/>
-          <p:cNvSpPr txBox="1"/>
+          <p:cNvSpPr txBox="1">
+            <a:spLocks noGrp="1"/>
+          </p:cNvSpPr>
           <p:nvPr>
             <p:ph type="sldNum" sz="quarter" idx="2"/>
           </p:nvPr>
@@ -745,8 +765,10 @@
           <a:bodyPr/>
           <a:lstStyle/>
           <a:p>
-            <a:pPr/>
-            <a:fld id="{86CB4B4D-7CA3-9044-876B-883B54F8677D}" type="slidenum"/>
+            <a:fld id="{86CB4B4D-7CA3-9044-876B-883B54F8677D}" type="slidenum">
+              <a:t>‹#›</a:t>
+            </a:fld>
+            <a:endParaRPr/>
           </a:p>
         </p:txBody>
       </p:sp>
@@ -755,12 +777,12 @@
   <p:clrMapOvr>
     <a:masterClrMapping/>
   </p:clrMapOvr>
-  <p:transition xmlns:p14="http://schemas.microsoft.com/office/powerpoint/2010/main" spd="med" advClick="1"/>
+  <p:transition spd="med"/>
 </p:sldLayout>
 </file>
 
 <file path=ppt/slideLayouts/slideLayout3.xml><?xml version="1.0" encoding="utf-8"?>
-<p:sldLayout xmlns:a="http://schemas.openxmlformats.org/drawingml/2006/main" xmlns:r="http://schemas.openxmlformats.org/officeDocument/2006/relationships" xmlns:p="http://schemas.openxmlformats.org/presentationml/2006/main" xmlns:m="http://schemas.openxmlformats.org/officeDocument/2006/math" xmlns:a14="http://schemas.microsoft.com/office/drawing/2010/main" type="tx" showMasterSp="1" showMasterPhAnim="1">
+<p:sldLayout xmlns:a="http://schemas.openxmlformats.org/drawingml/2006/main" xmlns:r="http://schemas.openxmlformats.org/officeDocument/2006/relationships" xmlns:p="http://schemas.openxmlformats.org/presentationml/2006/main" type="tx">
   <p:cSld name="Section Header">
     <p:spTree>
       <p:nvGrpSpPr>
@@ -779,7 +801,9 @@
       <p:sp>
         <p:nvSpPr>
           <p:cNvPr id="29" name="Title Text"/>
-          <p:cNvSpPr txBox="1"/>
+          <p:cNvSpPr txBox="1">
+            <a:spLocks noGrp="1"/>
+          </p:cNvSpPr>
           <p:nvPr>
             <p:ph type="title"/>
           </p:nvPr>
@@ -801,7 +825,6 @@
             </a:lvl1pPr>
           </a:lstStyle>
           <a:p>
-            <a:pPr/>
             <a:r>
               <a:t>Title Text</a:t>
             </a:r>
@@ -811,7 +834,9 @@
       <p:sp>
         <p:nvSpPr>
           <p:cNvPr id="30" name="Body Level One…"/>
-          <p:cNvSpPr txBox="1"/>
+          <p:cNvSpPr txBox="1">
+            <a:spLocks noGrp="1"/>
+          </p:cNvSpPr>
           <p:nvPr>
             <p:ph type="body" sz="quarter" idx="1"/>
           </p:nvPr>
@@ -880,7 +905,6 @@
             </a:lvl5pPr>
           </a:lstStyle>
           <a:p>
-            <a:pPr/>
             <a:r>
               <a:t>Body Level One</a:t>
             </a:r>
@@ -914,7 +938,9 @@
       <p:sp>
         <p:nvSpPr>
           <p:cNvPr id="31" name="Slide Number"/>
-          <p:cNvSpPr txBox="1"/>
+          <p:cNvSpPr txBox="1">
+            <a:spLocks noGrp="1"/>
+          </p:cNvSpPr>
           <p:nvPr>
             <p:ph type="sldNum" sz="quarter" idx="2"/>
           </p:nvPr>
@@ -928,8 +954,10 @@
           <a:bodyPr/>
           <a:lstStyle/>
           <a:p>
-            <a:pPr/>
-            <a:fld id="{86CB4B4D-7CA3-9044-876B-883B54F8677D}" type="slidenum"/>
+            <a:fld id="{86CB4B4D-7CA3-9044-876B-883B54F8677D}" type="slidenum">
+              <a:t>‹#›</a:t>
+            </a:fld>
+            <a:endParaRPr/>
           </a:p>
         </p:txBody>
       </p:sp>
@@ -938,12 +966,12 @@
   <p:clrMapOvr>
     <a:masterClrMapping/>
   </p:clrMapOvr>
-  <p:transition xmlns:p14="http://schemas.microsoft.com/office/powerpoint/2010/main" spd="med" advClick="1"/>
+  <p:transition spd="med"/>
 </p:sldLayout>
 </file>
 
 <file path=ppt/slideLayouts/slideLayout4.xml><?xml version="1.0" encoding="utf-8"?>
-<p:sldLayout xmlns:a="http://schemas.openxmlformats.org/drawingml/2006/main" xmlns:r="http://schemas.openxmlformats.org/officeDocument/2006/relationships" xmlns:p="http://schemas.openxmlformats.org/presentationml/2006/main" xmlns:m="http://schemas.openxmlformats.org/officeDocument/2006/math" xmlns:a14="http://schemas.microsoft.com/office/drawing/2010/main" type="tx" showMasterSp="1" showMasterPhAnim="1">
+<p:sldLayout xmlns:a="http://schemas.openxmlformats.org/drawingml/2006/main" xmlns:r="http://schemas.openxmlformats.org/officeDocument/2006/relationships" xmlns:p="http://schemas.openxmlformats.org/presentationml/2006/main" type="tx">
   <p:cSld name="Two Content">
     <p:spTree>
       <p:nvGrpSpPr>
@@ -962,7 +990,9 @@
       <p:sp>
         <p:nvSpPr>
           <p:cNvPr id="38" name="Title Text"/>
-          <p:cNvSpPr txBox="1"/>
+          <p:cNvSpPr txBox="1">
+            <a:spLocks noGrp="1"/>
+          </p:cNvSpPr>
           <p:nvPr>
             <p:ph type="title"/>
           </p:nvPr>
@@ -976,7 +1006,6 @@
           <a:bodyPr/>
           <a:lstStyle/>
           <a:p>
-            <a:pPr/>
             <a:r>
               <a:t>Title Text</a:t>
             </a:r>
@@ -986,7 +1015,9 @@
       <p:sp>
         <p:nvSpPr>
           <p:cNvPr id="39" name="Body Level One…"/>
-          <p:cNvSpPr txBox="1"/>
+          <p:cNvSpPr txBox="1">
+            <a:spLocks noGrp="1"/>
+          </p:cNvSpPr>
           <p:nvPr>
             <p:ph type="body" sz="half" idx="1"/>
           </p:nvPr>
@@ -1004,7 +1035,6 @@
           <a:bodyPr/>
           <a:lstStyle/>
           <a:p>
-            <a:pPr/>
             <a:r>
               <a:t>Body Level One</a:t>
             </a:r>
@@ -1038,7 +1068,9 @@
       <p:sp>
         <p:nvSpPr>
           <p:cNvPr id="40" name="Slide Number"/>
-          <p:cNvSpPr txBox="1"/>
+          <p:cNvSpPr txBox="1">
+            <a:spLocks noGrp="1"/>
+          </p:cNvSpPr>
           <p:nvPr>
             <p:ph type="sldNum" sz="quarter" idx="2"/>
           </p:nvPr>
@@ -1052,8 +1084,10 @@
           <a:bodyPr/>
           <a:lstStyle/>
           <a:p>
-            <a:pPr/>
-            <a:fld id="{86CB4B4D-7CA3-9044-876B-883B54F8677D}" type="slidenum"/>
+            <a:fld id="{86CB4B4D-7CA3-9044-876B-883B54F8677D}" type="slidenum">
+              <a:t>‹#›</a:t>
+            </a:fld>
+            <a:endParaRPr/>
           </a:p>
         </p:txBody>
       </p:sp>
@@ -1062,12 +1096,12 @@
   <p:clrMapOvr>
     <a:masterClrMapping/>
   </p:clrMapOvr>
-  <p:transition xmlns:p14="http://schemas.microsoft.com/office/powerpoint/2010/main" spd="med" advClick="1"/>
+  <p:transition spd="med"/>
 </p:sldLayout>
 </file>
 
 <file path=ppt/slideLayouts/slideLayout5.xml><?xml version="1.0" encoding="utf-8"?>
-<p:sldLayout xmlns:a="http://schemas.openxmlformats.org/drawingml/2006/main" xmlns:r="http://schemas.openxmlformats.org/officeDocument/2006/relationships" xmlns:p="http://schemas.openxmlformats.org/presentationml/2006/main" xmlns:m="http://schemas.openxmlformats.org/officeDocument/2006/math" xmlns:a14="http://schemas.microsoft.com/office/drawing/2010/main" type="tx" showMasterSp="1" showMasterPhAnim="1">
+<p:sldLayout xmlns:a="http://schemas.openxmlformats.org/drawingml/2006/main" xmlns:r="http://schemas.openxmlformats.org/officeDocument/2006/relationships" xmlns:p="http://schemas.openxmlformats.org/presentationml/2006/main" type="tx">
   <p:cSld name="Comparison">
     <p:spTree>
       <p:nvGrpSpPr>
@@ -1086,7 +1120,9 @@
       <p:sp>
         <p:nvSpPr>
           <p:cNvPr id="47" name="Title Text"/>
-          <p:cNvSpPr txBox="1"/>
+          <p:cNvSpPr txBox="1">
+            <a:spLocks noGrp="1"/>
+          </p:cNvSpPr>
           <p:nvPr>
             <p:ph type="title"/>
           </p:nvPr>
@@ -1104,7 +1140,6 @@
           <a:bodyPr/>
           <a:lstStyle/>
           <a:p>
-            <a:pPr/>
             <a:r>
               <a:t>Title Text</a:t>
             </a:r>
@@ -1114,7 +1149,9 @@
       <p:sp>
         <p:nvSpPr>
           <p:cNvPr id="48" name="Body Level One…"/>
-          <p:cNvSpPr txBox="1"/>
+          <p:cNvSpPr txBox="1">
+            <a:spLocks noGrp="1"/>
+          </p:cNvSpPr>
           <p:nvPr>
             <p:ph type="body" sz="quarter" idx="1"/>
           </p:nvPr>
@@ -1135,7 +1172,7 @@
               <a:buSzTx/>
               <a:buFontTx/>
               <a:buNone/>
-              <a:defRPr b="1" sz="2400">
+              <a:defRPr sz="2400" b="1">
                 <a:latin typeface="+mn-lt"/>
                 <a:ea typeface="+mn-ea"/>
                 <a:cs typeface="+mn-cs"/>
@@ -1146,7 +1183,7 @@
               <a:buSzTx/>
               <a:buFontTx/>
               <a:buNone/>
-              <a:defRPr b="1" sz="2400">
+              <a:defRPr sz="2400" b="1">
                 <a:latin typeface="+mn-lt"/>
                 <a:ea typeface="+mn-ea"/>
                 <a:cs typeface="+mn-cs"/>
@@ -1157,7 +1194,7 @@
               <a:buSzTx/>
               <a:buFontTx/>
               <a:buNone/>
-              <a:defRPr b="1" sz="2400">
+              <a:defRPr sz="2400" b="1">
                 <a:latin typeface="+mn-lt"/>
                 <a:ea typeface="+mn-ea"/>
                 <a:cs typeface="+mn-cs"/>
@@ -1168,7 +1205,7 @@
               <a:buSzTx/>
               <a:buFontTx/>
               <a:buNone/>
-              <a:defRPr b="1" sz="2400">
+              <a:defRPr sz="2400" b="1">
                 <a:latin typeface="+mn-lt"/>
                 <a:ea typeface="+mn-ea"/>
                 <a:cs typeface="+mn-cs"/>
@@ -1179,7 +1216,7 @@
               <a:buSzTx/>
               <a:buFontTx/>
               <a:buNone/>
-              <a:defRPr b="1" sz="2400">
+              <a:defRPr sz="2400" b="1">
                 <a:latin typeface="+mn-lt"/>
                 <a:ea typeface="+mn-ea"/>
                 <a:cs typeface="+mn-cs"/>
@@ -1188,7 +1225,6 @@
             </a:lvl5pPr>
           </a:lstStyle>
           <a:p>
-            <a:pPr/>
             <a:r>
               <a:t>Body Level One</a:t>
             </a:r>
@@ -1222,7 +1258,9 @@
       <p:sp>
         <p:nvSpPr>
           <p:cNvPr id="49" name="Text Placeholder 4"/>
-          <p:cNvSpPr/>
+          <p:cNvSpPr>
+            <a:spLocks noGrp="1"/>
+          </p:cNvSpPr>
           <p:nvPr>
             <p:ph type="body" sz="quarter" idx="13"/>
           </p:nvPr>
@@ -1244,20 +1282,23 @@
               <a:buSzTx/>
               <a:buFontTx/>
               <a:buNone/>
-              <a:defRPr b="1" sz="2400">
+              <a:defRPr sz="2400" b="1">
                 <a:latin typeface="+mn-lt"/>
                 <a:ea typeface="+mn-ea"/>
                 <a:cs typeface="+mn-cs"/>
                 <a:sym typeface="Helvetica"/>
               </a:defRPr>
             </a:pPr>
+            <a:endParaRPr/>
           </a:p>
         </p:txBody>
       </p:sp>
       <p:sp>
         <p:nvSpPr>
           <p:cNvPr id="50" name="Slide Number"/>
-          <p:cNvSpPr txBox="1"/>
+          <p:cNvSpPr txBox="1">
+            <a:spLocks noGrp="1"/>
+          </p:cNvSpPr>
           <p:nvPr>
             <p:ph type="sldNum" sz="quarter" idx="2"/>
           </p:nvPr>
@@ -1271,8 +1312,10 @@
           <a:bodyPr/>
           <a:lstStyle/>
           <a:p>
-            <a:pPr/>
-            <a:fld id="{86CB4B4D-7CA3-9044-876B-883B54F8677D}" type="slidenum"/>
+            <a:fld id="{86CB4B4D-7CA3-9044-876B-883B54F8677D}" type="slidenum">
+              <a:t>‹#›</a:t>
+            </a:fld>
+            <a:endParaRPr/>
           </a:p>
         </p:txBody>
       </p:sp>
@@ -1281,12 +1324,12 @@
   <p:clrMapOvr>
     <a:masterClrMapping/>
   </p:clrMapOvr>
-  <p:transition xmlns:p14="http://schemas.microsoft.com/office/powerpoint/2010/main" spd="med" advClick="1"/>
+  <p:transition spd="med"/>
 </p:sldLayout>
 </file>
 
 <file path=ppt/slideLayouts/slideLayout6.xml><?xml version="1.0" encoding="utf-8"?>
-<p:sldLayout xmlns:a="http://schemas.openxmlformats.org/drawingml/2006/main" xmlns:r="http://schemas.openxmlformats.org/officeDocument/2006/relationships" xmlns:p="http://schemas.openxmlformats.org/presentationml/2006/main" xmlns:m="http://schemas.openxmlformats.org/officeDocument/2006/math" xmlns:a14="http://schemas.microsoft.com/office/drawing/2010/main" type="tx" showMasterSp="1" showMasterPhAnim="1">
+<p:sldLayout xmlns:a="http://schemas.openxmlformats.org/drawingml/2006/main" xmlns:r="http://schemas.openxmlformats.org/officeDocument/2006/relationships" xmlns:p="http://schemas.openxmlformats.org/presentationml/2006/main" type="tx">
   <p:cSld name="Title Only">
     <p:spTree>
       <p:nvGrpSpPr>
@@ -1305,7 +1348,9 @@
       <p:sp>
         <p:nvSpPr>
           <p:cNvPr id="57" name="Title Text"/>
-          <p:cNvSpPr txBox="1"/>
+          <p:cNvSpPr txBox="1">
+            <a:spLocks noGrp="1"/>
+          </p:cNvSpPr>
           <p:nvPr>
             <p:ph type="title"/>
           </p:nvPr>
@@ -1319,7 +1364,6 @@
           <a:bodyPr/>
           <a:lstStyle/>
           <a:p>
-            <a:pPr/>
             <a:r>
               <a:t>Title Text</a:t>
             </a:r>
@@ -1329,7 +1373,9 @@
       <p:sp>
         <p:nvSpPr>
           <p:cNvPr id="58" name="Slide Number"/>
-          <p:cNvSpPr txBox="1"/>
+          <p:cNvSpPr txBox="1">
+            <a:spLocks noGrp="1"/>
+          </p:cNvSpPr>
           <p:nvPr>
             <p:ph type="sldNum" sz="quarter" idx="2"/>
           </p:nvPr>
@@ -1343,8 +1389,10 @@
           <a:bodyPr/>
           <a:lstStyle/>
           <a:p>
-            <a:pPr/>
-            <a:fld id="{86CB4B4D-7CA3-9044-876B-883B54F8677D}" type="slidenum"/>
+            <a:fld id="{86CB4B4D-7CA3-9044-876B-883B54F8677D}" type="slidenum">
+              <a:t>‹#›</a:t>
+            </a:fld>
+            <a:endParaRPr/>
           </a:p>
         </p:txBody>
       </p:sp>
@@ -1353,12 +1401,12 @@
   <p:clrMapOvr>
     <a:masterClrMapping/>
   </p:clrMapOvr>
-  <p:transition xmlns:p14="http://schemas.microsoft.com/office/powerpoint/2010/main" spd="med" advClick="1"/>
+  <p:transition spd="med"/>
 </p:sldLayout>
 </file>
 
 <file path=ppt/slideLayouts/slideLayout7.xml><?xml version="1.0" encoding="utf-8"?>
-<p:sldLayout xmlns:a="http://schemas.openxmlformats.org/drawingml/2006/main" xmlns:r="http://schemas.openxmlformats.org/officeDocument/2006/relationships" xmlns:p="http://schemas.openxmlformats.org/presentationml/2006/main" xmlns:m="http://schemas.openxmlformats.org/officeDocument/2006/math" xmlns:a14="http://schemas.microsoft.com/office/drawing/2010/main" type="tx" showMasterSp="1" showMasterPhAnim="1">
+<p:sldLayout xmlns:a="http://schemas.openxmlformats.org/drawingml/2006/main" xmlns:r="http://schemas.openxmlformats.org/officeDocument/2006/relationships" xmlns:p="http://schemas.openxmlformats.org/presentationml/2006/main" type="tx">
   <p:cSld name="Blank">
     <p:spTree>
       <p:nvGrpSpPr>
@@ -1377,7 +1425,9 @@
       <p:sp>
         <p:nvSpPr>
           <p:cNvPr id="65" name="Slide Number"/>
-          <p:cNvSpPr txBox="1"/>
+          <p:cNvSpPr txBox="1">
+            <a:spLocks noGrp="1"/>
+          </p:cNvSpPr>
           <p:nvPr>
             <p:ph type="sldNum" sz="quarter" idx="2"/>
           </p:nvPr>
@@ -1391,8 +1441,10 @@
           <a:bodyPr/>
           <a:lstStyle/>
           <a:p>
-            <a:pPr/>
-            <a:fld id="{86CB4B4D-7CA3-9044-876B-883B54F8677D}" type="slidenum"/>
+            <a:fld id="{86CB4B4D-7CA3-9044-876B-883B54F8677D}" type="slidenum">
+              <a:t>‹#›</a:t>
+            </a:fld>
+            <a:endParaRPr/>
           </a:p>
         </p:txBody>
       </p:sp>
@@ -1401,12 +1453,12 @@
   <p:clrMapOvr>
     <a:masterClrMapping/>
   </p:clrMapOvr>
-  <p:transition xmlns:p14="http://schemas.microsoft.com/office/powerpoint/2010/main" spd="med" advClick="1"/>
+  <p:transition spd="med"/>
 </p:sldLayout>
 </file>
 
 <file path=ppt/slideLayouts/slideLayout8.xml><?xml version="1.0" encoding="utf-8"?>
-<p:sldLayout xmlns:a="http://schemas.openxmlformats.org/drawingml/2006/main" xmlns:r="http://schemas.openxmlformats.org/officeDocument/2006/relationships" xmlns:p="http://schemas.openxmlformats.org/presentationml/2006/main" xmlns:m="http://schemas.openxmlformats.org/officeDocument/2006/math" xmlns:a14="http://schemas.microsoft.com/office/drawing/2010/main" type="tx" showMasterSp="1" showMasterPhAnim="1">
+<p:sldLayout xmlns:a="http://schemas.openxmlformats.org/drawingml/2006/main" xmlns:r="http://schemas.openxmlformats.org/officeDocument/2006/relationships" xmlns:p="http://schemas.openxmlformats.org/presentationml/2006/main" type="tx">
   <p:cSld name="Content with Caption">
     <p:spTree>
       <p:nvGrpSpPr>
@@ -1425,7 +1477,9 @@
       <p:sp>
         <p:nvSpPr>
           <p:cNvPr id="72" name="Title Text"/>
-          <p:cNvSpPr txBox="1"/>
+          <p:cNvSpPr txBox="1">
+            <a:spLocks noGrp="1"/>
+          </p:cNvSpPr>
           <p:nvPr>
             <p:ph type="title"/>
           </p:nvPr>
@@ -1447,7 +1501,6 @@
             </a:lvl1pPr>
           </a:lstStyle>
           <a:p>
-            <a:pPr/>
             <a:r>
               <a:t>Title Text</a:t>
             </a:r>
@@ -1457,7 +1510,9 @@
       <p:sp>
         <p:nvSpPr>
           <p:cNvPr id="73" name="Body Level One…"/>
-          <p:cNvSpPr txBox="1"/>
+          <p:cNvSpPr txBox="1">
+            <a:spLocks noGrp="1"/>
+          </p:cNvSpPr>
           <p:nvPr>
             <p:ph type="body" sz="half" idx="1"/>
           </p:nvPr>
@@ -1491,7 +1546,6 @@
             </a:lvl5pPr>
           </a:lstStyle>
           <a:p>
-            <a:pPr/>
             <a:r>
               <a:t>Body Level One</a:t>
             </a:r>
@@ -1525,7 +1579,9 @@
       <p:sp>
         <p:nvSpPr>
           <p:cNvPr id="74" name="Text Placeholder 3"/>
-          <p:cNvSpPr/>
+          <p:cNvSpPr>
+            <a:spLocks noGrp="1"/>
+          </p:cNvSpPr>
           <p:nvPr>
             <p:ph type="body" sz="quarter" idx="13"/>
           </p:nvPr>
@@ -1549,13 +1605,16 @@
               <a:buNone/>
               <a:defRPr sz="1600"/>
             </a:pPr>
+            <a:endParaRPr/>
           </a:p>
         </p:txBody>
       </p:sp>
       <p:sp>
         <p:nvSpPr>
           <p:cNvPr id="75" name="Slide Number"/>
-          <p:cNvSpPr txBox="1"/>
+          <p:cNvSpPr txBox="1">
+            <a:spLocks noGrp="1"/>
+          </p:cNvSpPr>
           <p:nvPr>
             <p:ph type="sldNum" sz="quarter" idx="2"/>
           </p:nvPr>
@@ -1569,8 +1628,10 @@
           <a:bodyPr/>
           <a:lstStyle/>
           <a:p>
-            <a:pPr/>
-            <a:fld id="{86CB4B4D-7CA3-9044-876B-883B54F8677D}" type="slidenum"/>
+            <a:fld id="{86CB4B4D-7CA3-9044-876B-883B54F8677D}" type="slidenum">
+              <a:t>‹#›</a:t>
+            </a:fld>
+            <a:endParaRPr/>
           </a:p>
         </p:txBody>
       </p:sp>
@@ -1579,12 +1640,12 @@
   <p:clrMapOvr>
     <a:masterClrMapping/>
   </p:clrMapOvr>
-  <p:transition xmlns:p14="http://schemas.microsoft.com/office/powerpoint/2010/main" spd="med" advClick="1"/>
+  <p:transition spd="med"/>
 </p:sldLayout>
 </file>
 
 <file path=ppt/slideLayouts/slideLayout9.xml><?xml version="1.0" encoding="utf-8"?>
-<p:sldLayout xmlns:a="http://schemas.openxmlformats.org/drawingml/2006/main" xmlns:r="http://schemas.openxmlformats.org/officeDocument/2006/relationships" xmlns:p="http://schemas.openxmlformats.org/presentationml/2006/main" xmlns:m="http://schemas.openxmlformats.org/officeDocument/2006/math" xmlns:a14="http://schemas.microsoft.com/office/drawing/2010/main" type="tx" showMasterSp="1" showMasterPhAnim="1">
+<p:sldLayout xmlns:a="http://schemas.openxmlformats.org/drawingml/2006/main" xmlns:r="http://schemas.openxmlformats.org/officeDocument/2006/relationships" xmlns:p="http://schemas.openxmlformats.org/presentationml/2006/main" type="tx">
   <p:cSld name="Picture with Caption">
     <p:spTree>
       <p:nvGrpSpPr>
@@ -1603,7 +1664,9 @@
       <p:sp>
         <p:nvSpPr>
           <p:cNvPr id="82" name="Title Text"/>
-          <p:cNvSpPr txBox="1"/>
+          <p:cNvSpPr txBox="1">
+            <a:spLocks noGrp="1"/>
+          </p:cNvSpPr>
           <p:nvPr>
             <p:ph type="title"/>
           </p:nvPr>
@@ -1625,7 +1688,6 @@
             </a:lvl1pPr>
           </a:lstStyle>
           <a:p>
-            <a:pPr/>
             <a:r>
               <a:t>Title Text</a:t>
             </a:r>
@@ -1635,7 +1697,9 @@
       <p:sp>
         <p:nvSpPr>
           <p:cNvPr id="83" name="Picture Placeholder 2"/>
-          <p:cNvSpPr/>
+          <p:cNvSpPr>
+            <a:spLocks noGrp="1"/>
+          </p:cNvSpPr>
           <p:nvPr>
             <p:ph type="pic" sz="half" idx="13"/>
           </p:nvPr>
@@ -1655,14 +1719,16 @@
           </a:bodyPr>
           <a:lstStyle/>
           <a:p>
-            <a:pPr/>
+            <a:endParaRPr/>
           </a:p>
         </p:txBody>
       </p:sp>
       <p:sp>
         <p:nvSpPr>
           <p:cNvPr id="84" name="Body Level One…"/>
-          <p:cNvSpPr txBox="1"/>
+          <p:cNvSpPr txBox="1">
+            <a:spLocks noGrp="1"/>
+          </p:cNvSpPr>
           <p:nvPr>
             <p:ph type="body" sz="quarter" idx="1"/>
           </p:nvPr>
@@ -1711,7 +1777,6 @@
             </a:lvl5pPr>
           </a:lstStyle>
           <a:p>
-            <a:pPr/>
             <a:r>
               <a:t>Body Level One</a:t>
             </a:r>
@@ -1745,7 +1810,9 @@
       <p:sp>
         <p:nvSpPr>
           <p:cNvPr id="85" name="Slide Number"/>
-          <p:cNvSpPr txBox="1"/>
+          <p:cNvSpPr txBox="1">
+            <a:spLocks noGrp="1"/>
+          </p:cNvSpPr>
           <p:nvPr>
             <p:ph type="sldNum" sz="quarter" idx="2"/>
           </p:nvPr>
@@ -1759,8 +1826,10 @@
           <a:bodyPr/>
           <a:lstStyle/>
           <a:p>
-            <a:pPr/>
-            <a:fld id="{86CB4B4D-7CA3-9044-876B-883B54F8677D}" type="slidenum"/>
+            <a:fld id="{86CB4B4D-7CA3-9044-876B-883B54F8677D}" type="slidenum">
+              <a:t>‹#›</a:t>
+            </a:fld>
+            <a:endParaRPr/>
           </a:p>
         </p:txBody>
       </p:sp>
@@ -1769,18 +1838,19 @@
   <p:clrMapOvr>
     <a:masterClrMapping/>
   </p:clrMapOvr>
-  <p:transition xmlns:p14="http://schemas.microsoft.com/office/powerpoint/2010/main" spd="med" advClick="1"/>
+  <p:transition spd="med"/>
 </p:sldLayout>
 </file>
 
 <file path=ppt/slideMasters/slideMaster1.xml><?xml version="1.0" encoding="utf-8"?>
-<p:sldMaster xmlns:a="http://schemas.openxmlformats.org/drawingml/2006/main" xmlns:r="http://schemas.openxmlformats.org/officeDocument/2006/relationships" xmlns:p="http://schemas.openxmlformats.org/presentationml/2006/main" xmlns:m="http://schemas.openxmlformats.org/officeDocument/2006/math" xmlns:a14="http://schemas.microsoft.com/office/drawing/2010/main">
+<p:sldMaster xmlns:a="http://schemas.openxmlformats.org/drawingml/2006/main" xmlns:r="http://schemas.openxmlformats.org/officeDocument/2006/relationships" xmlns:p="http://schemas.openxmlformats.org/presentationml/2006/main">
   <p:cSld>
     <p:bg>
       <p:bgPr>
         <a:solidFill>
           <a:srgbClr val="F3D94E"/>
         </a:solidFill>
+        <a:effectLst/>
       </p:bgPr>
     </p:bg>
     <p:spTree>
@@ -1800,7 +1870,9 @@
       <p:sp>
         <p:nvSpPr>
           <p:cNvPr id="2" name="Title Text"/>
-          <p:cNvSpPr txBox="1"/>
+          <p:cNvSpPr txBox="1">
+            <a:spLocks noGrp="1"/>
+          </p:cNvSpPr>
           <p:nvPr>
             <p:ph type="title"/>
           </p:nvPr>
@@ -1818,17 +1890,16 @@
           </a:ln>
           <a:extLst>
             <a:ext uri="{C572A759-6A51-4108-AA02-DFA0A04FC94B}">
-              <ma14:wrappingTextBoxFlag xmlns:ma14="http://schemas.microsoft.com/office/mac/drawingml/2011/main" val="1"/>
+              <ma14:wrappingTextBoxFlag xmlns="" xmlns:m="http://schemas.openxmlformats.org/officeDocument/2006/math" xmlns:a14="http://schemas.microsoft.com/office/drawing/2010/main" xmlns:ma14="http://schemas.microsoft.com/office/mac/drawingml/2011/main" val="1"/>
             </a:ext>
           </a:extLst>
         </p:spPr>
         <p:txBody>
           <a:bodyPr lIns="45719" rIns="45719" anchor="ctr">
-            <a:normAutofit fontScale="100000" lnSpcReduction="0"/>
+            <a:normAutofit/>
           </a:bodyPr>
           <a:lstStyle/>
           <a:p>
-            <a:pPr/>
             <a:r>
               <a:t>Title Text</a:t>
             </a:r>
@@ -1838,7 +1909,9 @@
       <p:sp>
         <p:nvSpPr>
           <p:cNvPr id="3" name="Body Level One…"/>
-          <p:cNvSpPr txBox="1"/>
+          <p:cNvSpPr txBox="1">
+            <a:spLocks noGrp="1"/>
+          </p:cNvSpPr>
           <p:nvPr>
             <p:ph type="body" idx="1"/>
           </p:nvPr>
@@ -1856,17 +1929,16 @@
           </a:ln>
           <a:extLst>
             <a:ext uri="{C572A759-6A51-4108-AA02-DFA0A04FC94B}">
-              <ma14:wrappingTextBoxFlag xmlns:ma14="http://schemas.microsoft.com/office/mac/drawingml/2011/main" val="1"/>
+              <ma14:wrappingTextBoxFlag xmlns="" xmlns:m="http://schemas.openxmlformats.org/officeDocument/2006/math" xmlns:a14="http://schemas.microsoft.com/office/drawing/2010/main" xmlns:ma14="http://schemas.microsoft.com/office/mac/drawingml/2011/main" val="1"/>
             </a:ext>
           </a:extLst>
         </p:spPr>
         <p:txBody>
           <a:bodyPr lIns="45719" rIns="45719">
-            <a:normAutofit fontScale="100000" lnSpcReduction="0"/>
+            <a:normAutofit/>
           </a:bodyPr>
           <a:lstStyle/>
           <a:p>
-            <a:pPr/>
             <a:r>
               <a:t>Body Level One</a:t>
             </a:r>
@@ -1897,10 +1969,45 @@
           </a:p>
         </p:txBody>
       </p:sp>
+      <p:pic>
+        <p:nvPicPr>
+          <p:cNvPr id="5" name="Google Shape;54;p13" descr="Google Shape;54;p13">
+            <a:extLst>
+              <a:ext uri="{FF2B5EF4-FFF2-40B4-BE49-F238E27FC236}">
+                <a16:creationId xmlns:a16="http://schemas.microsoft.com/office/drawing/2014/main" id="{0A1156D6-F71F-5C4B-9D28-386CD0E9A082}"/>
+              </a:ext>
+            </a:extLst>
+          </p:cNvPr>
+          <p:cNvPicPr>
+            <a:picLocks noChangeAspect="1"/>
+          </p:cNvPicPr>
+          <p:nvPr userDrawn="1"/>
+        </p:nvPicPr>
+        <p:blipFill>
+          <a:blip r:embed="rId11"/>
+          <a:stretch>
+            <a:fillRect/>
+          </a:stretch>
+        </p:blipFill>
+        <p:spPr>
+          <a:xfrm>
+            <a:off x="0" y="0"/>
+            <a:ext cx="12191997" cy="6858000"/>
+          </a:xfrm>
+          <a:prstGeom prst="rect">
+            <a:avLst/>
+          </a:prstGeom>
+          <a:ln w="12700">
+            <a:miter lim="400000"/>
+          </a:ln>
+        </p:spPr>
+      </p:pic>
       <p:sp>
         <p:nvSpPr>
           <p:cNvPr id="4" name="Slide Number"/>
-          <p:cNvSpPr txBox="1"/>
+          <p:cNvSpPr txBox="1">
+            <a:spLocks noGrp="1"/>
+          </p:cNvSpPr>
           <p:nvPr>
             <p:ph type="sldNum" sz="quarter" idx="2"/>
           </p:nvPr>
@@ -1931,8 +2038,10 @@
             </a:lvl1pPr>
           </a:lstStyle>
           <a:p>
-            <a:pPr/>
-            <a:fld id="{86CB4B4D-7CA3-9044-876B-883B54F8677D}" type="slidenum"/>
+            <a:fld id="{86CB4B4D-7CA3-9044-876B-883B54F8677D}" type="slidenum">
+              <a:t>‹#›</a:t>
+            </a:fld>
+            <a:endParaRPr/>
           </a:p>
         </p:txBody>
       </p:sp>
@@ -1940,17 +2049,17 @@
   </p:cSld>
   <p:clrMap bg1="lt1" tx1="dk1" bg2="lt2" tx2="dk2" accent1="accent1" accent2="accent2" accent3="accent3" accent4="accent4" accent5="accent5" accent6="accent6" hlink="hlink" folHlink="folHlink"/>
   <p:sldLayoutIdLst>
-    <p:sldLayoutId id="2147483649" r:id="rId2"/>
-    <p:sldLayoutId id="2147483650" r:id="rId3"/>
-    <p:sldLayoutId id="2147483651" r:id="rId4"/>
-    <p:sldLayoutId id="2147483652" r:id="rId5"/>
-    <p:sldLayoutId id="2147483653" r:id="rId6"/>
-    <p:sldLayoutId id="2147483654" r:id="rId7"/>
-    <p:sldLayoutId id="2147483655" r:id="rId8"/>
-    <p:sldLayoutId id="2147483656" r:id="rId9"/>
-    <p:sldLayoutId id="2147483657" r:id="rId10"/>
+    <p:sldLayoutId id="2147483649" r:id="rId1"/>
+    <p:sldLayoutId id="2147483650" r:id="rId2"/>
+    <p:sldLayoutId id="2147483651" r:id="rId3"/>
+    <p:sldLayoutId id="2147483652" r:id="rId4"/>
+    <p:sldLayoutId id="2147483653" r:id="rId5"/>
+    <p:sldLayoutId id="2147483654" r:id="rId6"/>
+    <p:sldLayoutId id="2147483655" r:id="rId7"/>
+    <p:sldLayoutId id="2147483656" r:id="rId8"/>
+    <p:sldLayoutId id="2147483657" r:id="rId9"/>
   </p:sldLayoutIdLst>
-  <p:transition xmlns:p14="http://schemas.microsoft.com/office/powerpoint/2010/main" spd="med" advClick="1"/>
+  <p:transition spd="med"/>
   <p:txStyles>
     <p:titleStyle>
       <a:lvl1pPr marL="0" marR="0" indent="0" algn="l" defTabSz="914400" rtl="0" latinLnBrk="0">
@@ -1968,7 +2077,7 @@
         <a:buFontTx/>
         <a:buNone/>
         <a:tabLst/>
-        <a:defRPr b="0" baseline="0" cap="none" i="0" spc="0" strike="noStrike" sz="4400" u="none">
+        <a:defRPr sz="4400" b="0" i="0" u="none" strike="noStrike" cap="none" spc="0" baseline="0">
           <a:solidFill>
             <a:srgbClr val="000000"/>
           </a:solidFill>
@@ -1994,7 +2103,7 @@
         <a:buFontTx/>
         <a:buNone/>
         <a:tabLst/>
-        <a:defRPr b="0" baseline="0" cap="none" i="0" spc="0" strike="noStrike" sz="4400" u="none">
+        <a:defRPr sz="4400" b="0" i="0" u="none" strike="noStrike" cap="none" spc="0" baseline="0">
           <a:solidFill>
             <a:srgbClr val="000000"/>
           </a:solidFill>
@@ -2020,7 +2129,7 @@
         <a:buFontTx/>
         <a:buNone/>
         <a:tabLst/>
-        <a:defRPr b="0" baseline="0" cap="none" i="0" spc="0" strike="noStrike" sz="4400" u="none">
+        <a:defRPr sz="4400" b="0" i="0" u="none" strike="noStrike" cap="none" spc="0" baseline="0">
           <a:solidFill>
             <a:srgbClr val="000000"/>
           </a:solidFill>
@@ -2046,7 +2155,7 @@
         <a:buFontTx/>
         <a:buNone/>
         <a:tabLst/>
-        <a:defRPr b="0" baseline="0" cap="none" i="0" spc="0" strike="noStrike" sz="4400" u="none">
+        <a:defRPr sz="4400" b="0" i="0" u="none" strike="noStrike" cap="none" spc="0" baseline="0">
           <a:solidFill>
             <a:srgbClr val="000000"/>
           </a:solidFill>
@@ -2072,7 +2181,7 @@
         <a:buFontTx/>
         <a:buNone/>
         <a:tabLst/>
-        <a:defRPr b="0" baseline="0" cap="none" i="0" spc="0" strike="noStrike" sz="4400" u="none">
+        <a:defRPr sz="4400" b="0" i="0" u="none" strike="noStrike" cap="none" spc="0" baseline="0">
           <a:solidFill>
             <a:srgbClr val="000000"/>
           </a:solidFill>
@@ -2098,7 +2207,7 @@
         <a:buFontTx/>
         <a:buNone/>
         <a:tabLst/>
-        <a:defRPr b="0" baseline="0" cap="none" i="0" spc="0" strike="noStrike" sz="4400" u="none">
+        <a:defRPr sz="4400" b="0" i="0" u="none" strike="noStrike" cap="none" spc="0" baseline="0">
           <a:solidFill>
             <a:srgbClr val="000000"/>
           </a:solidFill>
@@ -2124,7 +2233,7 @@
         <a:buFontTx/>
         <a:buNone/>
         <a:tabLst/>
-        <a:defRPr b="0" baseline="0" cap="none" i="0" spc="0" strike="noStrike" sz="4400" u="none">
+        <a:defRPr sz="4400" b="0" i="0" u="none" strike="noStrike" cap="none" spc="0" baseline="0">
           <a:solidFill>
             <a:srgbClr val="000000"/>
           </a:solidFill>
@@ -2150,7 +2259,7 @@
         <a:buFontTx/>
         <a:buNone/>
         <a:tabLst/>
-        <a:defRPr b="0" baseline="0" cap="none" i="0" spc="0" strike="noStrike" sz="4400" u="none">
+        <a:defRPr sz="4400" b="0" i="0" u="none" strike="noStrike" cap="none" spc="0" baseline="0">
           <a:solidFill>
             <a:srgbClr val="000000"/>
           </a:solidFill>
@@ -2176,7 +2285,7 @@
         <a:buFontTx/>
         <a:buNone/>
         <a:tabLst/>
-        <a:defRPr b="0" baseline="0" cap="none" i="0" spc="0" strike="noStrike" sz="4400" u="none">
+        <a:defRPr sz="4400" b="0" i="0" u="none" strike="noStrike" cap="none" spc="0" baseline="0">
           <a:solidFill>
             <a:srgbClr val="000000"/>
           </a:solidFill>
@@ -2204,7 +2313,7 @@
         <a:buFont typeface="Arial"/>
         <a:buChar char="•"/>
         <a:tabLst/>
-        <a:defRPr b="0" baseline="0" cap="none" i="0" spc="0" strike="noStrike" sz="2800" u="none">
+        <a:defRPr sz="2800" b="0" i="0" u="none" strike="noStrike" cap="none" spc="0" baseline="0">
           <a:solidFill>
             <a:srgbClr val="000000"/>
           </a:solidFill>
@@ -2230,7 +2339,7 @@
         <a:buFont typeface="Arial"/>
         <a:buChar char="•"/>
         <a:tabLst/>
-        <a:defRPr b="0" baseline="0" cap="none" i="0" spc="0" strike="noStrike" sz="2800" u="none">
+        <a:defRPr sz="2800" b="0" i="0" u="none" strike="noStrike" cap="none" spc="0" baseline="0">
           <a:solidFill>
             <a:srgbClr val="000000"/>
           </a:solidFill>
@@ -2256,7 +2365,7 @@
         <a:buFont typeface="Arial"/>
         <a:buChar char="•"/>
         <a:tabLst/>
-        <a:defRPr b="0" baseline="0" cap="none" i="0" spc="0" strike="noStrike" sz="2800" u="none">
+        <a:defRPr sz="2800" b="0" i="0" u="none" strike="noStrike" cap="none" spc="0" baseline="0">
           <a:solidFill>
             <a:srgbClr val="000000"/>
           </a:solidFill>
@@ -2282,7 +2391,7 @@
         <a:buFont typeface="Arial"/>
         <a:buChar char="•"/>
         <a:tabLst/>
-        <a:defRPr b="0" baseline="0" cap="none" i="0" spc="0" strike="noStrike" sz="2800" u="none">
+        <a:defRPr sz="2800" b="0" i="0" u="none" strike="noStrike" cap="none" spc="0" baseline="0">
           <a:solidFill>
             <a:srgbClr val="000000"/>
           </a:solidFill>
@@ -2308,7 +2417,7 @@
         <a:buFont typeface="Arial"/>
         <a:buChar char="•"/>
         <a:tabLst/>
-        <a:defRPr b="0" baseline="0" cap="none" i="0" spc="0" strike="noStrike" sz="2800" u="none">
+        <a:defRPr sz="2800" b="0" i="0" u="none" strike="noStrike" cap="none" spc="0" baseline="0">
           <a:solidFill>
             <a:srgbClr val="000000"/>
           </a:solidFill>
@@ -2334,7 +2443,7 @@
         <a:buFont typeface="Arial"/>
         <a:buChar char="•"/>
         <a:tabLst/>
-        <a:defRPr b="0" baseline="0" cap="none" i="0" spc="0" strike="noStrike" sz="2800" u="none">
+        <a:defRPr sz="2800" b="0" i="0" u="none" strike="noStrike" cap="none" spc="0" baseline="0">
           <a:solidFill>
             <a:srgbClr val="000000"/>
           </a:solidFill>
@@ -2360,7 +2469,7 @@
         <a:buFont typeface="Arial"/>
         <a:buChar char="•"/>
         <a:tabLst/>
-        <a:defRPr b="0" baseline="0" cap="none" i="0" spc="0" strike="noStrike" sz="2800" u="none">
+        <a:defRPr sz="2800" b="0" i="0" u="none" strike="noStrike" cap="none" spc="0" baseline="0">
           <a:solidFill>
             <a:srgbClr val="000000"/>
           </a:solidFill>
@@ -2386,7 +2495,7 @@
         <a:buFont typeface="Arial"/>
         <a:buChar char="•"/>
         <a:tabLst/>
-        <a:defRPr b="0" baseline="0" cap="none" i="0" spc="0" strike="noStrike" sz="2800" u="none">
+        <a:defRPr sz="2800" b="0" i="0" u="none" strike="noStrike" cap="none" spc="0" baseline="0">
           <a:solidFill>
             <a:srgbClr val="000000"/>
           </a:solidFill>
@@ -2412,7 +2521,7 @@
         <a:buFont typeface="Arial"/>
         <a:buChar char="•"/>
         <a:tabLst/>
-        <a:defRPr b="0" baseline="0" cap="none" i="0" spc="0" strike="noStrike" sz="2800" u="none">
+        <a:defRPr sz="2800" b="0" i="0" u="none" strike="noStrike" cap="none" spc="0" baseline="0">
           <a:solidFill>
             <a:srgbClr val="000000"/>
           </a:solidFill>
@@ -2440,7 +2549,7 @@
         <a:buFontTx/>
         <a:buNone/>
         <a:tabLst/>
-        <a:defRPr b="0" baseline="0" cap="none" i="0" spc="0" strike="noStrike" sz="1200" u="none">
+        <a:defRPr sz="1200" b="0" i="0" u="none" strike="noStrike" cap="none" spc="0" baseline="0">
           <a:solidFill>
             <a:schemeClr val="tx1"/>
           </a:solidFill>
@@ -2466,7 +2575,7 @@
         <a:buFontTx/>
         <a:buNone/>
         <a:tabLst/>
-        <a:defRPr b="0" baseline="0" cap="none" i="0" spc="0" strike="noStrike" sz="1200" u="none">
+        <a:defRPr sz="1200" b="0" i="0" u="none" strike="noStrike" cap="none" spc="0" baseline="0">
           <a:solidFill>
             <a:schemeClr val="tx1"/>
           </a:solidFill>
@@ -2492,7 +2601,7 @@
         <a:buFontTx/>
         <a:buNone/>
         <a:tabLst/>
-        <a:defRPr b="0" baseline="0" cap="none" i="0" spc="0" strike="noStrike" sz="1200" u="none">
+        <a:defRPr sz="1200" b="0" i="0" u="none" strike="noStrike" cap="none" spc="0" baseline="0">
           <a:solidFill>
             <a:schemeClr val="tx1"/>
           </a:solidFill>
@@ -2518,7 +2627,7 @@
         <a:buFontTx/>
         <a:buNone/>
         <a:tabLst/>
-        <a:defRPr b="0" baseline="0" cap="none" i="0" spc="0" strike="noStrike" sz="1200" u="none">
+        <a:defRPr sz="1200" b="0" i="0" u="none" strike="noStrike" cap="none" spc="0" baseline="0">
           <a:solidFill>
             <a:schemeClr val="tx1"/>
           </a:solidFill>
@@ -2544,7 +2653,7 @@
         <a:buFontTx/>
         <a:buNone/>
         <a:tabLst/>
-        <a:defRPr b="0" baseline="0" cap="none" i="0" spc="0" strike="noStrike" sz="1200" u="none">
+        <a:defRPr sz="1200" b="0" i="0" u="none" strike="noStrike" cap="none" spc="0" baseline="0">
           <a:solidFill>
             <a:schemeClr val="tx1"/>
           </a:solidFill>
@@ -2570,7 +2679,7 @@
         <a:buFontTx/>
         <a:buNone/>
         <a:tabLst/>
-        <a:defRPr b="0" baseline="0" cap="none" i="0" spc="0" strike="noStrike" sz="1200" u="none">
+        <a:defRPr sz="1200" b="0" i="0" u="none" strike="noStrike" cap="none" spc="0" baseline="0">
           <a:solidFill>
             <a:schemeClr val="tx1"/>
           </a:solidFill>
@@ -2596,7 +2705,7 @@
         <a:buFontTx/>
         <a:buNone/>
         <a:tabLst/>
-        <a:defRPr b="0" baseline="0" cap="none" i="0" spc="0" strike="noStrike" sz="1200" u="none">
+        <a:defRPr sz="1200" b="0" i="0" u="none" strike="noStrike" cap="none" spc="0" baseline="0">
           <a:solidFill>
             <a:schemeClr val="tx1"/>
           </a:solidFill>
@@ -2622,7 +2731,7 @@
         <a:buFontTx/>
         <a:buNone/>
         <a:tabLst/>
-        <a:defRPr b="0" baseline="0" cap="none" i="0" spc="0" strike="noStrike" sz="1200" u="none">
+        <a:defRPr sz="1200" b="0" i="0" u="none" strike="noStrike" cap="none" spc="0" baseline="0">
           <a:solidFill>
             <a:schemeClr val="tx1"/>
           </a:solidFill>
@@ -2648,7 +2757,7 @@
         <a:buFontTx/>
         <a:buNone/>
         <a:tabLst/>
-        <a:defRPr b="0" baseline="0" cap="none" i="0" spc="0" strike="noStrike" sz="1200" u="none">
+        <a:defRPr sz="1200" b="0" i="0" u="none" strike="noStrike" cap="none" spc="0" baseline="0">
           <a:solidFill>
             <a:schemeClr val="tx1"/>
           </a:solidFill>
@@ -2665,7 +2774,7 @@
 </file>
 
 <file path=ppt/slides/slide1.xml><?xml version="1.0" encoding="utf-8"?>
-<p:sld xmlns:a="http://schemas.openxmlformats.org/drawingml/2006/main" xmlns:r="http://schemas.openxmlformats.org/officeDocument/2006/relationships" xmlns:p="http://schemas.openxmlformats.org/presentationml/2006/main" xmlns:m="http://schemas.openxmlformats.org/officeDocument/2006/math" xmlns:a14="http://schemas.microsoft.com/office/drawing/2010/main" showMasterSp="1" showMasterPhAnim="1">
+<p:sld xmlns:a="http://schemas.openxmlformats.org/drawingml/2006/main" xmlns:r="http://schemas.openxmlformats.org/officeDocument/2006/relationships" xmlns:p="http://schemas.openxmlformats.org/presentationml/2006/main">
   <p:cSld>
     <p:spTree>
       <p:nvGrpSpPr>
@@ -2684,7 +2793,9 @@
       <p:sp>
         <p:nvSpPr>
           <p:cNvPr id="94" name="Subtitle 2"/>
-          <p:cNvSpPr txBox="1"/>
+          <p:cNvSpPr txBox="1">
+            <a:spLocks noGrp="1"/>
+          </p:cNvSpPr>
           <p:nvPr>
             <p:ph type="subTitle" sz="quarter" idx="1"/>
           </p:nvPr>
@@ -2702,7 +2813,7 @@
           <a:bodyPr/>
           <a:lstStyle/>
           <a:p>
-            <a:pPr/>
+            <a:endParaRPr/>
           </a:p>
         </p:txBody>
       </p:sp>
@@ -2714,11 +2825,12 @@
         </p:nvGrpSpPr>
         <p:grpSpPr>
           <a:xfrm>
-            <a:off x="1524000" y="3207225"/>
+            <a:off x="1524000" y="2857907"/>
             <a:ext cx="9144000" cy="2994661"/>
             <a:chOff x="0" y="0"/>
             <a:chExt cx="9144000" cy="2994660"/>
           </a:xfrm>
+          <a:noFill/>
         </p:grpSpPr>
         <p:sp>
           <p:nvSpPr>
@@ -2734,9 +2846,7 @@
             <a:prstGeom prst="rect">
               <a:avLst/>
             </a:prstGeom>
-            <a:solidFill>
-              <a:srgbClr val="F3D94E"/>
-            </a:solidFill>
+            <a:grpFill/>
             <a:ln w="12700" cap="flat">
               <a:solidFill>
                 <a:srgbClr val="32538F"/>
@@ -2759,6 +2869,7 @@
                   </a:solidFill>
                 </a:defRPr>
               </a:pPr>
+              <a:endParaRPr/>
             </a:p>
           </p:txBody>
         </p:sp>
@@ -2776,7 +2887,7 @@
             <a:prstGeom prst="rect">
               <a:avLst/>
             </a:prstGeom>
-            <a:noFill/>
+            <a:grpFill/>
             <a:ln w="12700" cap="flat">
               <a:noFill/>
               <a:miter lim="400000"/>
@@ -2784,7 +2895,7 @@
             <a:effectLst/>
             <a:extLst>
               <a:ext uri="{C572A759-6A51-4108-AA02-DFA0A04FC94B}">
-                <ma14:wrappingTextBoxFlag xmlns:ma14="http://schemas.microsoft.com/office/mac/drawingml/2011/main" val="1"/>
+                <ma14:wrappingTextBoxFlag xmlns="" xmlns:m="http://schemas.openxmlformats.org/officeDocument/2006/math" xmlns:a14="http://schemas.microsoft.com/office/drawing/2010/main" xmlns:ma14="http://schemas.microsoft.com/office/mac/drawingml/2011/main" val="1"/>
               </a:ext>
             </a:extLst>
           </p:spPr>
@@ -2798,8 +2909,8 @@
               </a:lvl1pPr>
             </a:lstStyle>
             <a:p>
-              <a:pPr/>
               <a:r>
+                <a:rPr dirty="0"/>
                 <a:t>Spread &amp; Rest in JavaScript</a:t>
               </a:r>
             </a:p>
@@ -2814,7 +2925,7 @@
         </p:nvGrpSpPr>
         <p:grpSpPr>
           <a:xfrm>
-            <a:off x="4133850" y="2740922"/>
+            <a:off x="4133850" y="2391604"/>
             <a:ext cx="3924300" cy="947848"/>
             <a:chOff x="0" y="0"/>
             <a:chExt cx="3924300" cy="947846"/>
@@ -2856,6 +2967,7 @@
                   </a:solidFill>
                 </a:defRPr>
               </a:pPr>
+              <a:endParaRPr/>
             </a:p>
           </p:txBody>
         </p:sp>
@@ -2881,7 +2993,7 @@
             <a:effectLst/>
             <a:extLst>
               <a:ext uri="{C572A759-6A51-4108-AA02-DFA0A04FC94B}">
-                <ma14:wrappingTextBoxFlag xmlns:ma14="http://schemas.microsoft.com/office/mac/drawingml/2011/main" val="1"/>
+                <ma14:wrappingTextBoxFlag xmlns="" xmlns:m="http://schemas.openxmlformats.org/officeDocument/2006/math" xmlns:a14="http://schemas.microsoft.com/office/drawing/2010/main" xmlns:ma14="http://schemas.microsoft.com/office/mac/drawingml/2011/main" val="1"/>
               </a:ext>
             </a:extLst>
           </p:spPr>
@@ -2895,7 +3007,6 @@
               </a:lvl1pPr>
             </a:lstStyle>
             <a:p>
-              <a:pPr/>
               <a:r>
                 <a:t>FS dev 101</a:t>
               </a:r>
@@ -2911,11 +3022,12 @@
         </p:nvGrpSpPr>
         <p:grpSpPr>
           <a:xfrm>
-            <a:off x="4469129" y="-24142"/>
-            <a:ext cx="2937511" cy="3129940"/>
-            <a:chOff x="0" y="0"/>
-            <a:chExt cx="2937510" cy="3129939"/>
+            <a:off x="4469129" y="879110"/>
+            <a:ext cx="2937512" cy="1323437"/>
+            <a:chOff x="0" y="903252"/>
+            <a:chExt cx="2937511" cy="1323437"/>
           </a:xfrm>
+          <a:noFill/>
         </p:grpSpPr>
         <p:sp>
           <p:nvSpPr>
@@ -2931,9 +3043,7 @@
             <a:prstGeom prst="rect">
               <a:avLst/>
             </a:prstGeom>
-            <a:solidFill>
-              <a:srgbClr val="F3D94E"/>
-            </a:solidFill>
+            <a:grpFill/>
             <a:ln w="12700" cap="flat">
               <a:noFill/>
               <a:miter lim="400000"/>
@@ -2953,6 +3063,7 @@
                   </a:solidFill>
                 </a:defRPr>
               </a:pPr>
+              <a:endParaRPr/>
             </a:p>
           </p:txBody>
         </p:sp>
@@ -2964,13 +3075,13 @@
           </p:nvSpPr>
           <p:spPr>
             <a:xfrm>
-              <a:off x="45719" y="0"/>
-              <a:ext cx="2846072" cy="3129940"/>
+              <a:off x="45719" y="903252"/>
+              <a:ext cx="2846072" cy="1323437"/>
             </a:xfrm>
             <a:prstGeom prst="rect">
               <a:avLst/>
             </a:prstGeom>
-            <a:noFill/>
+            <a:grpFill/>
             <a:ln w="12700" cap="flat">
               <a:noFill/>
               <a:miter lim="400000"/>
@@ -2978,7 +3089,7 @@
             <a:effectLst/>
             <a:extLst>
               <a:ext uri="{C572A759-6A51-4108-AA02-DFA0A04FC94B}">
-                <ma14:wrappingTextBoxFlag xmlns:ma14="http://schemas.microsoft.com/office/mac/drawingml/2011/main" val="1"/>
+                <ma14:wrappingTextBoxFlag xmlns="" xmlns:m="http://schemas.openxmlformats.org/officeDocument/2006/math" xmlns:a14="http://schemas.microsoft.com/office/drawing/2010/main" xmlns:ma14="http://schemas.microsoft.com/office/mac/drawingml/2011/main" val="1"/>
               </a:ext>
             </a:extLst>
           </p:spPr>
@@ -2988,7 +3099,7 @@
             </a:bodyPr>
             <a:lstStyle>
               <a:lvl1pPr algn="ctr">
-                <a:defRPr b="1" sz="23900">
+                <a:defRPr sz="23900" b="1">
                   <a:latin typeface="+mn-lt"/>
                   <a:ea typeface="+mn-ea"/>
                   <a:cs typeface="+mn-cs"/>
@@ -2997,8 +3108,8 @@
               </a:lvl1pPr>
             </a:lstStyle>
             <a:p>
-              <a:pPr/>
               <a:r>
+                <a:rPr sz="8000" dirty="0"/>
                 <a:t>JS</a:t>
               </a:r>
             </a:p>
@@ -3010,12 +3121,12 @@
   <p:clrMapOvr>
     <a:masterClrMapping/>
   </p:clrMapOvr>
-  <p:transition xmlns:p14="http://schemas.microsoft.com/office/powerpoint/2010/main" spd="med" advClick="1"/>
+  <p:transition spd="med"/>
 </p:sld>
 </file>
 
 <file path=ppt/slides/slide10.xml><?xml version="1.0" encoding="utf-8"?>
-<p:sld xmlns:a="http://schemas.openxmlformats.org/drawingml/2006/main" xmlns:r="http://schemas.openxmlformats.org/officeDocument/2006/relationships" xmlns:p="http://schemas.openxmlformats.org/presentationml/2006/main" xmlns:m="http://schemas.openxmlformats.org/officeDocument/2006/math" xmlns:a14="http://schemas.microsoft.com/office/drawing/2010/main" showMasterSp="1" showMasterPhAnim="1">
+<p:sld xmlns:a="http://schemas.openxmlformats.org/drawingml/2006/main" xmlns:r="http://schemas.openxmlformats.org/officeDocument/2006/relationships" xmlns:p="http://schemas.openxmlformats.org/presentationml/2006/main">
   <p:cSld>
     <p:spTree>
       <p:nvGrpSpPr>
@@ -3034,7 +3145,9 @@
       <p:sp>
         <p:nvSpPr>
           <p:cNvPr id="137" name="Adding all the things we learnt….."/>
-          <p:cNvSpPr txBox="1"/>
+          <p:cNvSpPr txBox="1">
+            <a:spLocks noGrp="1"/>
+          </p:cNvSpPr>
           <p:nvPr>
             <p:ph type="title"/>
           </p:nvPr>
@@ -3048,7 +3161,6 @@
           <a:bodyPr/>
           <a:lstStyle/>
           <a:p>
-            <a:pPr/>
             <a:r>
               <a:t>Adding all the things we learnt….. </a:t>
             </a:r>
@@ -3058,7 +3170,9 @@
       <p:sp>
         <p:nvSpPr>
           <p:cNvPr id="138" name="const joinFirstLastName = ({ firstName, lastName }) =&gt; firstName + '-' + lastName;…"/>
-          <p:cNvSpPr txBox="1"/>
+          <p:cNvSpPr txBox="1">
+            <a:spLocks noGrp="1"/>
+          </p:cNvSpPr>
           <p:nvPr>
             <p:ph type="body" idx="1"/>
           </p:nvPr>
@@ -3095,6 +3209,7 @@
               <a:buNone/>
               <a:defRPr sz="2492"/>
             </a:pPr>
+            <a:endParaRPr/>
           </a:p>
           <a:p>
             <a:pPr marL="0" indent="0" defTabSz="813816">
@@ -3201,12 +3316,12 @@
   <p:clrMapOvr>
     <a:masterClrMapping/>
   </p:clrMapOvr>
-  <p:transition xmlns:p14="http://schemas.microsoft.com/office/powerpoint/2010/main" spd="med" advClick="1"/>
+  <p:transition spd="med"/>
 </p:sld>
 </file>
 
 <file path=ppt/slides/slide11.xml><?xml version="1.0" encoding="utf-8"?>
-<p:sld xmlns:a="http://schemas.openxmlformats.org/drawingml/2006/main" xmlns:r="http://schemas.openxmlformats.org/officeDocument/2006/relationships" xmlns:p="http://schemas.openxmlformats.org/presentationml/2006/main" xmlns:m="http://schemas.openxmlformats.org/officeDocument/2006/math" xmlns:a14="http://schemas.microsoft.com/office/drawing/2010/main" showMasterSp="1" showMasterPhAnim="1">
+<p:sld xmlns:a="http://schemas.openxmlformats.org/drawingml/2006/main" xmlns:r="http://schemas.openxmlformats.org/officeDocument/2006/relationships" xmlns:p="http://schemas.openxmlformats.org/presentationml/2006/main">
   <p:cSld>
     <p:spTree>
       <p:nvGrpSpPr>
@@ -3225,7 +3340,9 @@
       <p:sp>
         <p:nvSpPr>
           <p:cNvPr id="140" name="Title 1"/>
-          <p:cNvSpPr txBox="1"/>
+          <p:cNvSpPr txBox="1">
+            <a:spLocks noGrp="1"/>
+          </p:cNvSpPr>
           <p:nvPr>
             <p:ph type="title"/>
           </p:nvPr>
@@ -3243,7 +3360,6 @@
           <a:bodyPr/>
           <a:lstStyle/>
           <a:p>
-            <a:pPr/>
             <a:r>
               <a:t>arguments</a:t>
             </a:r>
@@ -3269,7 +3385,7 @@
           </a:ln>
           <a:extLst>
             <a:ext uri="{C572A759-6A51-4108-AA02-DFA0A04FC94B}">
-              <ma14:wrappingTextBoxFlag xmlns:ma14="http://schemas.microsoft.com/office/mac/drawingml/2011/main" val="1"/>
+              <ma14:wrappingTextBoxFlag xmlns="" xmlns:m="http://schemas.openxmlformats.org/officeDocument/2006/math" xmlns:a14="http://schemas.microsoft.com/office/drawing/2010/main" xmlns:ma14="http://schemas.microsoft.com/office/mac/drawingml/2011/main" val="1"/>
             </a:ext>
           </a:extLst>
         </p:spPr>
@@ -3306,6 +3422,7 @@
             <a:pPr>
               <a:defRPr sz="2800"/>
             </a:pPr>
+            <a:endParaRPr/>
           </a:p>
           <a:p>
             <a:pPr>
@@ -3339,7 +3456,7 @@
           </a:ln>
           <a:extLst>
             <a:ext uri="{C572A759-6A51-4108-AA02-DFA0A04FC94B}">
-              <ma14:wrappingTextBoxFlag xmlns:ma14="http://schemas.microsoft.com/office/mac/drawingml/2011/main" val="1"/>
+              <ma14:wrappingTextBoxFlag xmlns="" xmlns:m="http://schemas.openxmlformats.org/officeDocument/2006/math" xmlns:a14="http://schemas.microsoft.com/office/drawing/2010/main" xmlns:ma14="http://schemas.microsoft.com/office/mac/drawingml/2011/main" val="1"/>
             </a:ext>
           </a:extLst>
         </p:spPr>
@@ -3353,7 +3470,6 @@
             </a:lvl1pPr>
           </a:lstStyle>
           <a:p>
-            <a:pPr/>
             <a:r>
               <a:t>Arguments { 0: "one", 1: "two", 2: "three", 3: "four", 4: "five", 5: "six", … }</a:t>
             </a:r>
@@ -3365,14 +3481,14 @@
   <p:clrMapOvr>
     <a:masterClrMapping/>
   </p:clrMapOvr>
-  <p:transition xmlns:p14="http://schemas.microsoft.com/office/powerpoint/2010/main" spd="med" advClick="1"/>
+  <p:transition spd="med"/>
   <p:timing>
     <p:tnLst>
       <p:par>
-        <p:cTn id="1" nodeType="tmRoot" restart="never" dur="indefinite" fill="hold">
+        <p:cTn id="1" dur="indefinite" restart="never" fill="hold" nodeType="tmRoot">
           <p:childTnLst>
             <p:seq concurrent="1" prevAc="none" nextAc="seek">
-              <p:cTn id="2" nodeType="mainSeq" dur="indefinite" fill="hold">
+              <p:cTn id="2" dur="indefinite" fill="hold" nodeType="mainSeq">
                 <p:childTnLst>
                   <p:par>
                     <p:cTn id="3" fill="hold">
@@ -3387,11 +3503,11 @@
                             </p:stCondLst>
                             <p:childTnLst>
                               <p:par>
-                                <p:cTn id="5" presetClass="entr" nodeType="clickEffect" presetSubtype="0" presetID="1" grpId="1" fill="hold">
+                                <p:cTn id="5" presetID="1" presetClass="entr" presetSubtype="0" fill="hold" grpId="1" nodeType="clickEffect">
                                   <p:stCondLst>
                                     <p:cond delay="0"/>
                                   </p:stCondLst>
-                                  <p:iterate type="el" backwards="0">
+                                  <p:iterate>
                                     <p:tmAbs val="0"/>
                                   </p:iterate>
                                   <p:childTnLst>
@@ -3431,11 +3547,11 @@
                             </p:stCondLst>
                             <p:childTnLst>
                               <p:par>
-                                <p:cTn id="9" presetClass="entr" nodeType="clickEffect" presetSubtype="0" presetID="1" grpId="2" fill="hold">
+                                <p:cTn id="9" presetID="1" presetClass="entr" presetSubtype="0" fill="hold" grpId="2" nodeType="clickEffect">
                                   <p:stCondLst>
                                     <p:cond delay="0"/>
                                   </p:stCondLst>
-                                  <p:iterate type="el" backwards="0">
+                                  <p:iterate>
                                     <p:tmAbs val="0"/>
                                   </p:iterate>
                                   <p:childTnLst>
@@ -3465,14 +3581,14 @@
                 </p:childTnLst>
               </p:cTn>
               <p:prevCondLst>
-                <p:cond evt="onPrev">
+                <p:cond evt="onPrev" delay="0">
                   <p:tgtEl>
                     <p:sldTgt/>
                   </p:tgtEl>
                 </p:cond>
               </p:prevCondLst>
               <p:nextCondLst>
-                <p:cond evt="onNext">
+                <p:cond evt="onNext" delay="0">
                   <p:tgtEl>
                     <p:sldTgt/>
                   </p:tgtEl>
@@ -3484,15 +3600,15 @@
       </p:par>
     </p:tnLst>
     <p:bldLst>
-      <p:bldP build="whole" bldLvl="1" animBg="1" rev="0" advAuto="0" spid="141" grpId="1"/>
-      <p:bldP build="whole" bldLvl="1" animBg="1" rev="0" advAuto="0" spid="142" grpId="2"/>
+      <p:bldP spid="141" grpId="1" animBg="1" advAuto="0"/>
+      <p:bldP spid="142" grpId="2" animBg="1" advAuto="0"/>
     </p:bldLst>
   </p:timing>
 </p:sld>
 </file>
 
 <file path=ppt/slides/slide12.xml><?xml version="1.0" encoding="utf-8"?>
-<p:sld xmlns:a="http://schemas.openxmlformats.org/drawingml/2006/main" xmlns:r="http://schemas.openxmlformats.org/officeDocument/2006/relationships" xmlns:p="http://schemas.openxmlformats.org/presentationml/2006/main" xmlns:m="http://schemas.openxmlformats.org/officeDocument/2006/math" xmlns:a14="http://schemas.microsoft.com/office/drawing/2010/main" showMasterSp="1" showMasterPhAnim="1">
+<p:sld xmlns:a="http://schemas.openxmlformats.org/drawingml/2006/main" xmlns:r="http://schemas.openxmlformats.org/officeDocument/2006/relationships" xmlns:p="http://schemas.openxmlformats.org/presentationml/2006/main">
   <p:cSld>
     <p:spTree>
       <p:nvGrpSpPr>
@@ -3511,7 +3627,9 @@
       <p:sp>
         <p:nvSpPr>
           <p:cNvPr id="144" name="Title 1"/>
-          <p:cNvSpPr txBox="1"/>
+          <p:cNvSpPr txBox="1">
+            <a:spLocks noGrp="1"/>
+          </p:cNvSpPr>
           <p:nvPr>
             <p:ph type="title"/>
           </p:nvPr>
@@ -3529,7 +3647,6 @@
           <a:bodyPr/>
           <a:lstStyle/>
           <a:p>
-            <a:pPr/>
             <a:r>
               <a:t>3 main diff - rest parameters  vs arguments object</a:t>
             </a:r>
@@ -3539,7 +3656,9 @@
       <p:sp>
         <p:nvSpPr>
           <p:cNvPr id="145" name="Content Placeholder 2"/>
-          <p:cNvSpPr txBox="1"/>
+          <p:cNvSpPr txBox="1">
+            <a:spLocks noGrp="1"/>
+          </p:cNvSpPr>
           <p:nvPr>
             <p:ph type="body" idx="1"/>
           </p:nvPr>
@@ -3557,19 +3676,16 @@
           <a:bodyPr/>
           <a:lstStyle/>
           <a:p>
-            <a:pPr/>
             <a:r>
               <a:t>Rest parameters are only the ones that haven't been given a separate name (i.e. formally defined in function expression), while the arguments object contains all arguments passed to the function;</a:t>
             </a:r>
           </a:p>
           <a:p>
-            <a:pPr/>
             <a:r>
               <a:t> The arguments object is not a real array, while rest parameters are Array instances, meaning methods like sort, map, forEach or pop can be applied on it directly;</a:t>
             </a:r>
           </a:p>
           <a:p>
-            <a:pPr/>
             <a:r>
               <a:t> The arguments object has additional functionality specific to itself (like the callee property).</a:t>
             </a:r>
@@ -3581,14 +3697,14 @@
   <p:clrMapOvr>
     <a:masterClrMapping/>
   </p:clrMapOvr>
-  <p:transition xmlns:p14="http://schemas.microsoft.com/office/powerpoint/2010/main" spd="med" advClick="1"/>
+  <p:transition spd="med"/>
   <p:timing>
     <p:tnLst>
       <p:par>
-        <p:cTn id="1" nodeType="tmRoot" restart="never" dur="indefinite" fill="hold">
+        <p:cTn id="1" dur="indefinite" restart="never" fill="hold" nodeType="tmRoot">
           <p:childTnLst>
             <p:seq concurrent="1" prevAc="none" nextAc="seek">
-              <p:cTn id="2" nodeType="mainSeq" dur="indefinite" fill="hold">
+              <p:cTn id="2" dur="indefinite" fill="hold" nodeType="mainSeq">
                 <p:childTnLst>
                   <p:par>
                     <p:cTn id="3" fill="hold">
@@ -3603,11 +3719,11 @@
                             </p:stCondLst>
                             <p:childTnLst>
                               <p:par>
-                                <p:cTn id="5" presetClass="entr" nodeType="clickEffect" presetSubtype="0" presetID="1" grpId="1" fill="hold">
+                                <p:cTn id="5" presetID="1" presetClass="entr" presetSubtype="0" fill="hold" grpId="1" nodeType="clickEffect">
                                   <p:stCondLst>
                                     <p:cond delay="0"/>
                                   </p:stCondLst>
-                                  <p:iterate type="el" backwards="0">
+                                  <p:iterate>
                                     <p:tmAbs val="0"/>
                                   </p:iterate>
                                   <p:childTnLst>
@@ -3631,11 +3747,11 @@
                                 </p:cTn>
                               </p:par>
                               <p:par>
-                                <p:cTn id="7" presetClass="entr" nodeType="withEffect" presetSubtype="0" presetID="1" grpId="1" fill="hold">
+                                <p:cTn id="7" presetID="1" presetClass="entr" presetSubtype="0" fill="hold" grpId="1" nodeType="withEffect">
                                   <p:stCondLst>
                                     <p:cond delay="0"/>
                                   </p:stCondLst>
-                                  <p:iterate type="el" backwards="0">
+                                  <p:iterate>
                                     <p:tmAbs val="0"/>
                                   </p:iterate>
                                   <p:childTnLst>
@@ -3679,11 +3795,11 @@
                             </p:stCondLst>
                             <p:childTnLst>
                               <p:par>
-                                <p:cTn id="11" presetClass="entr" nodeType="clickEffect" presetSubtype="0" presetID="1" grpId="1" fill="hold">
+                                <p:cTn id="11" presetID="1" presetClass="entr" presetSubtype="0" fill="hold" grpId="1" nodeType="clickEffect">
                                   <p:stCondLst>
                                     <p:cond delay="0"/>
                                   </p:stCondLst>
-                                  <p:iterate type="el" backwards="0">
+                                  <p:iterate>
                                     <p:tmAbs val="0"/>
                                   </p:iterate>
                                   <p:childTnLst>
@@ -3727,11 +3843,11 @@
                             </p:stCondLst>
                             <p:childTnLst>
                               <p:par>
-                                <p:cTn id="15" presetClass="entr" nodeType="clickEffect" presetSubtype="0" presetID="1" grpId="1" fill="hold">
+                                <p:cTn id="15" presetID="1" presetClass="entr" presetSubtype="0" fill="hold" grpId="1" nodeType="clickEffect">
                                   <p:stCondLst>
                                     <p:cond delay="0"/>
                                   </p:stCondLst>
-                                  <p:iterate type="el" backwards="0">
+                                  <p:iterate>
                                     <p:tmAbs val="0"/>
                                   </p:iterate>
                                   <p:childTnLst>
@@ -3765,14 +3881,14 @@
                 </p:childTnLst>
               </p:cTn>
               <p:prevCondLst>
-                <p:cond evt="onPrev">
+                <p:cond evt="onPrev" delay="0">
                   <p:tgtEl>
                     <p:sldTgt/>
                   </p:tgtEl>
                 </p:cond>
               </p:prevCondLst>
               <p:nextCondLst>
-                <p:cond evt="onNext">
+                <p:cond evt="onNext" delay="0">
                   <p:tgtEl>
                     <p:sldTgt/>
                   </p:tgtEl>
@@ -3784,14 +3900,14 @@
       </p:par>
     </p:tnLst>
     <p:bldLst>
-      <p:bldP build="p" bldLvl="1" animBg="1" rev="0" advAuto="0" spid="145" grpId="1"/>
+      <p:bldP spid="145" grpId="1" build="p" animBg="1" advAuto="0"/>
     </p:bldLst>
   </p:timing>
 </p:sld>
 </file>
 
 <file path=ppt/slides/slide13.xml><?xml version="1.0" encoding="utf-8"?>
-<p:sld xmlns:a="http://schemas.openxmlformats.org/drawingml/2006/main" xmlns:r="http://schemas.openxmlformats.org/officeDocument/2006/relationships" xmlns:p="http://schemas.openxmlformats.org/presentationml/2006/main" xmlns:m="http://schemas.openxmlformats.org/officeDocument/2006/math" xmlns:a14="http://schemas.microsoft.com/office/drawing/2010/main" showMasterSp="1" showMasterPhAnim="1">
+<p:sld xmlns:a="http://schemas.openxmlformats.org/drawingml/2006/main" xmlns:r="http://schemas.openxmlformats.org/officeDocument/2006/relationships" xmlns:p="http://schemas.openxmlformats.org/presentationml/2006/main">
   <p:cSld>
     <p:spTree>
       <p:nvGrpSpPr>
@@ -3810,7 +3926,9 @@
       <p:sp>
         <p:nvSpPr>
           <p:cNvPr id="147" name="Title 1"/>
-          <p:cNvSpPr txBox="1"/>
+          <p:cNvSpPr txBox="1">
+            <a:spLocks noGrp="1"/>
+          </p:cNvSpPr>
           <p:nvPr>
             <p:ph type="title"/>
           </p:nvPr>
@@ -3828,7 +3946,6 @@
           <a:bodyPr/>
           <a:lstStyle/>
           <a:p>
-            <a:pPr/>
             <a:r>
               <a:t>Tasks</a:t>
             </a:r>
@@ -3838,7 +3955,9 @@
       <p:sp>
         <p:nvSpPr>
           <p:cNvPr id="148" name="Content Placeholder 2"/>
-          <p:cNvSpPr txBox="1"/>
+          <p:cNvSpPr txBox="1">
+            <a:spLocks noGrp="1"/>
+          </p:cNvSpPr>
           <p:nvPr>
             <p:ph type="body" idx="1"/>
           </p:nvPr>
@@ -3856,7 +3975,6 @@
           <a:bodyPr/>
           <a:lstStyle/>
           <a:p>
-            <a:pPr/>
             <a:r>
               <a:t>Read &amp; Complete from the MDN page</a:t>
             </a:r>
@@ -3885,7 +4003,7 @@
           </a:ln>
           <a:extLst>
             <a:ext uri="{C572A759-6A51-4108-AA02-DFA0A04FC94B}">
-              <ma14:wrappingTextBoxFlag xmlns:ma14="http://schemas.microsoft.com/office/mac/drawingml/2011/main" val="1"/>
+              <ma14:wrappingTextBoxFlag xmlns="" xmlns:m="http://schemas.openxmlformats.org/officeDocument/2006/math" xmlns:a14="http://schemas.microsoft.com/office/drawing/2010/main" xmlns:ma14="http://schemas.microsoft.com/office/mac/drawingml/2011/main" val="1"/>
             </a:ext>
           </a:extLst>
         </p:spPr>
@@ -3895,7 +4013,6 @@
           </a:bodyPr>
           <a:lstStyle/>
           <a:p>
-            <a:pPr/>
             <a:r>
               <a:t>https://developer.mozilla.org/en-US/docs/Web/JavaScript/Reference/Operators/Destructuring_assignment</a:t>
             </a:r>
@@ -3907,12 +4024,12 @@
   <p:clrMapOvr>
     <a:masterClrMapping/>
   </p:clrMapOvr>
-  <p:transition xmlns:p14="http://schemas.microsoft.com/office/powerpoint/2010/main" spd="med" advClick="1"/>
+  <p:transition spd="med"/>
 </p:sld>
 </file>
 
 <file path=ppt/slides/slide2.xml><?xml version="1.0" encoding="utf-8"?>
-<p:sld xmlns:a="http://schemas.openxmlformats.org/drawingml/2006/main" xmlns:r="http://schemas.openxmlformats.org/officeDocument/2006/relationships" xmlns:p="http://schemas.openxmlformats.org/presentationml/2006/main" xmlns:m="http://schemas.openxmlformats.org/officeDocument/2006/math" xmlns:a14="http://schemas.microsoft.com/office/drawing/2010/main" showMasterSp="1" showMasterPhAnim="1">
+<p:sld xmlns:a="http://schemas.openxmlformats.org/drawingml/2006/main" xmlns:r="http://schemas.openxmlformats.org/officeDocument/2006/relationships" xmlns:p="http://schemas.openxmlformats.org/presentationml/2006/main">
   <p:cSld>
     <p:spTree>
       <p:nvGrpSpPr>
@@ -3931,7 +4048,9 @@
       <p:sp>
         <p:nvSpPr>
           <p:cNvPr id="105" name="Title 1"/>
-          <p:cNvSpPr txBox="1"/>
+          <p:cNvSpPr txBox="1">
+            <a:spLocks noGrp="1"/>
+          </p:cNvSpPr>
           <p:nvPr>
             <p:ph type="title"/>
           </p:nvPr>
@@ -3949,7 +4068,6 @@
           <a:bodyPr/>
           <a:lstStyle/>
           <a:p>
-            <a:pPr/>
             <a:r>
               <a:t>Spread syntax</a:t>
             </a:r>
@@ -3959,7 +4077,9 @@
       <p:sp>
         <p:nvSpPr>
           <p:cNvPr id="106" name="Content Placeholder 2"/>
-          <p:cNvSpPr txBox="1"/>
+          <p:cNvSpPr txBox="1">
+            <a:spLocks noGrp="1"/>
+          </p:cNvSpPr>
           <p:nvPr>
             <p:ph type="body" sz="quarter" idx="1"/>
           </p:nvPr>
@@ -3985,7 +4105,6 @@
             </a:lvl1pPr>
           </a:lstStyle>
           <a:p>
-            <a:pPr/>
             <a:r>
               <a:t>Simply three dots ...</a:t>
             </a:r>
@@ -4011,7 +4130,7 @@
           </a:ln>
           <a:extLst>
             <a:ext uri="{C572A759-6A51-4108-AA02-DFA0A04FC94B}">
-              <ma14:wrappingTextBoxFlag xmlns:ma14="http://schemas.microsoft.com/office/mac/drawingml/2011/main" val="1"/>
+              <ma14:wrappingTextBoxFlag xmlns="" xmlns:m="http://schemas.openxmlformats.org/officeDocument/2006/math" xmlns:a14="http://schemas.microsoft.com/office/drawing/2010/main" xmlns:ma14="http://schemas.microsoft.com/office/mac/drawingml/2011/main" val="1"/>
             </a:ext>
           </a:extLst>
         </p:spPr>
@@ -4025,6 +4144,7 @@
               <a:defRPr sz="3200"/>
             </a:pPr>
             <a:r>
+              <a:rPr dirty="0"/>
               <a:t>let a = [11,22,33];</a:t>
             </a:r>
           </a:p>
@@ -4033,6 +4153,7 @@
               <a:defRPr sz="3200"/>
             </a:pPr>
             <a:r>
+              <a:rPr dirty="0"/>
               <a:t>let b = [...a];</a:t>
             </a:r>
           </a:p>
@@ -4041,6 +4162,7 @@
               <a:defRPr sz="3200"/>
             </a:pPr>
             <a:r>
+              <a:rPr dirty="0"/>
               <a:t>let c = [333,...a,...b ,456]</a:t>
             </a:r>
           </a:p>
@@ -4054,7 +4176,7 @@
         </p:nvSpPr>
         <p:spPr>
           <a:xfrm>
-            <a:off x="4827918" y="4666848"/>
+            <a:off x="4827918" y="4461368"/>
             <a:ext cx="6845396" cy="1487647"/>
           </a:xfrm>
           <a:prstGeom prst="rect">
@@ -4065,7 +4187,7 @@
           </a:ln>
           <a:extLst>
             <a:ext uri="{C572A759-6A51-4108-AA02-DFA0A04FC94B}">
-              <ma14:wrappingTextBoxFlag xmlns:ma14="http://schemas.microsoft.com/office/mac/drawingml/2011/main" val="1"/>
+              <ma14:wrappingTextBoxFlag xmlns="" xmlns:m="http://schemas.openxmlformats.org/officeDocument/2006/math" xmlns:a14="http://schemas.microsoft.com/office/drawing/2010/main" xmlns:ma14="http://schemas.microsoft.com/office/mac/drawingml/2011/main" val="1"/>
             </a:ext>
           </a:extLst>
         </p:spPr>
@@ -4079,7 +4201,16 @@
               <a:defRPr sz="3200"/>
             </a:pPr>
             <a:r>
-              <a:t>var obj1 = { id: 101, name: 'arun' }</a:t>
+              <a:rPr dirty="0"/>
+              <a:t>var obj1 = { id: 101, name: '</a:t>
+            </a:r>
+            <a:r>
+              <a:rPr dirty="0" err="1"/>
+              <a:t>arun</a:t>
+            </a:r>
+            <a:r>
+              <a:rPr dirty="0"/>
+              <a:t>' }</a:t>
             </a:r>
           </a:p>
           <a:p>
@@ -4087,6 +4218,7 @@
               <a:defRPr sz="3200"/>
             </a:pPr>
             <a:r>
+              <a:rPr dirty="0"/>
               <a:t>var obj2 = { age: 25, country: 'India'}</a:t>
             </a:r>
           </a:p>
@@ -4095,6 +4227,7 @@
               <a:defRPr sz="3200"/>
             </a:pPr>
             <a:r>
+              <a:rPr dirty="0"/>
               <a:t>const employee = { ...obj1, ...obj2,d:12 }</a:t>
             </a:r>
           </a:p>
@@ -4105,14 +4238,14 @@
   <p:clrMapOvr>
     <a:masterClrMapping/>
   </p:clrMapOvr>
-  <p:transition xmlns:p14="http://schemas.microsoft.com/office/powerpoint/2010/main" spd="med" advClick="1"/>
+  <p:transition spd="med"/>
   <p:timing>
     <p:tnLst>
       <p:par>
-        <p:cTn id="1" nodeType="tmRoot" restart="never" dur="indefinite" fill="hold">
+        <p:cTn id="1" dur="indefinite" restart="never" fill="hold" nodeType="tmRoot">
           <p:childTnLst>
             <p:seq concurrent="1" prevAc="none" nextAc="seek">
-              <p:cTn id="2" nodeType="mainSeq" dur="indefinite" fill="hold">
+              <p:cTn id="2" dur="indefinite" fill="hold" nodeType="mainSeq">
                 <p:childTnLst>
                   <p:par>
                     <p:cTn id="3" fill="hold">
@@ -4127,11 +4260,11 @@
                             </p:stCondLst>
                             <p:childTnLst>
                               <p:par>
-                                <p:cTn id="5" presetClass="entr" nodeType="clickEffect" presetSubtype="0" presetID="1" grpId="1" fill="hold">
+                                <p:cTn id="5" presetID="1" presetClass="entr" presetSubtype="0" fill="hold" grpId="1" nodeType="clickEffect">
                                   <p:stCondLst>
                                     <p:cond delay="0"/>
                                   </p:stCondLst>
-                                  <p:iterate type="el" backwards="0">
+                                  <p:iterate>
                                     <p:tmAbs val="0"/>
                                   </p:iterate>
                                   <p:childTnLst>
@@ -4155,11 +4288,11 @@
                                 </p:cTn>
                               </p:par>
                               <p:par>
-                                <p:cTn id="7" presetClass="entr" nodeType="withEffect" presetSubtype="0" presetID="1" grpId="1" fill="hold">
+                                <p:cTn id="7" presetID="1" presetClass="entr" presetSubtype="0" fill="hold" grpId="1" nodeType="withEffect">
                                   <p:stCondLst>
                                     <p:cond delay="0"/>
                                   </p:stCondLst>
-                                  <p:iterate type="el" backwards="0">
+                                  <p:iterate>
                                     <p:tmAbs val="0"/>
                                   </p:iterate>
                                   <p:childTnLst>
@@ -4203,11 +4336,11 @@
                             </p:stCondLst>
                             <p:childTnLst>
                               <p:par>
-                                <p:cTn id="11" presetClass="entr" nodeType="clickEffect" presetSubtype="0" presetID="1" grpId="2" fill="hold">
+                                <p:cTn id="11" presetID="1" presetClass="entr" presetSubtype="0" fill="hold" grpId="2" nodeType="clickEffect">
                                   <p:stCondLst>
                                     <p:cond delay="0"/>
                                   </p:stCondLst>
-                                  <p:iterate type="el" backwards="0">
+                                  <p:iterate>
                                     <p:tmAbs val="0"/>
                                   </p:iterate>
                                   <p:childTnLst>
@@ -4247,11 +4380,11 @@
                             </p:stCondLst>
                             <p:childTnLst>
                               <p:par>
-                                <p:cTn id="15" presetClass="entr" nodeType="clickEffect" presetSubtype="0" presetID="1" grpId="3" fill="hold">
+                                <p:cTn id="15" presetID="1" presetClass="entr" presetSubtype="0" fill="hold" grpId="3" nodeType="clickEffect">
                                   <p:stCondLst>
                                     <p:cond delay="0"/>
                                   </p:stCondLst>
-                                  <p:iterate type="el" backwards="0">
+                                  <p:iterate>
                                     <p:tmAbs val="0"/>
                                   </p:iterate>
                                   <p:childTnLst>
@@ -4281,14 +4414,14 @@
                 </p:childTnLst>
               </p:cTn>
               <p:prevCondLst>
-                <p:cond evt="onPrev">
+                <p:cond evt="onPrev" delay="0">
                   <p:tgtEl>
                     <p:sldTgt/>
                   </p:tgtEl>
                 </p:cond>
               </p:prevCondLst>
               <p:nextCondLst>
-                <p:cond evt="onNext">
+                <p:cond evt="onNext" delay="0">
                   <p:tgtEl>
                     <p:sldTgt/>
                   </p:tgtEl>
@@ -4300,16 +4433,16 @@
       </p:par>
     </p:tnLst>
     <p:bldLst>
-      <p:bldP build="whole" bldLvl="1" animBg="1" rev="0" advAuto="0" spid="108" grpId="3"/>
-      <p:bldP build="whole" bldLvl="1" animBg="1" rev="0" advAuto="0" spid="107" grpId="2"/>
-      <p:bldP build="p" bldLvl="1" animBg="1" rev="0" advAuto="0" spid="106" grpId="1"/>
+      <p:bldP spid="106" grpId="1" build="p" animBg="1" advAuto="0"/>
+      <p:bldP spid="107" grpId="2" animBg="1" advAuto="0"/>
+      <p:bldP spid="108" grpId="3" animBg="1" advAuto="0"/>
     </p:bldLst>
   </p:timing>
 </p:sld>
 </file>
 
 <file path=ppt/slides/slide3.xml><?xml version="1.0" encoding="utf-8"?>
-<p:sld xmlns:a="http://schemas.openxmlformats.org/drawingml/2006/main" xmlns:r="http://schemas.openxmlformats.org/officeDocument/2006/relationships" xmlns:p="http://schemas.openxmlformats.org/presentationml/2006/main" xmlns:m="http://schemas.openxmlformats.org/officeDocument/2006/math" xmlns:a14="http://schemas.microsoft.com/office/drawing/2010/main" showMasterSp="1" showMasterPhAnim="1">
+<p:sld xmlns:a="http://schemas.openxmlformats.org/drawingml/2006/main" xmlns:r="http://schemas.openxmlformats.org/officeDocument/2006/relationships" xmlns:p="http://schemas.openxmlformats.org/presentationml/2006/main">
   <p:cSld>
     <p:spTree>
       <p:nvGrpSpPr>
@@ -4328,7 +4461,9 @@
       <p:sp>
         <p:nvSpPr>
           <p:cNvPr id="110" name="Title 1"/>
-          <p:cNvSpPr txBox="1"/>
+          <p:cNvSpPr txBox="1">
+            <a:spLocks noGrp="1"/>
+          </p:cNvSpPr>
           <p:nvPr>
             <p:ph type="title"/>
           </p:nvPr>
@@ -4346,7 +4481,6 @@
           <a:bodyPr/>
           <a:lstStyle/>
           <a:p>
-            <a:pPr/>
             <a:r>
               <a:t>Rest parameter</a:t>
             </a:r>
@@ -4356,7 +4490,9 @@
       <p:sp>
         <p:nvSpPr>
           <p:cNvPr id="111" name="Content Placeholder 2"/>
-          <p:cNvSpPr txBox="1"/>
+          <p:cNvSpPr txBox="1">
+            <a:spLocks noGrp="1"/>
+          </p:cNvSpPr>
           <p:nvPr>
             <p:ph type="body" idx="1"/>
           </p:nvPr>
@@ -4374,12 +4510,12 @@
           <a:bodyPr/>
           <a:lstStyle/>
           <a:p>
-            <a:pPr/>
-            <a:r>
+            <a:r>
+              <a:rPr dirty="0"/>
               <a:t>The </a:t>
             </a:r>
             <a:r>
-              <a:rPr b="1">
+              <a:rPr b="1" dirty="0">
                 <a:latin typeface="+mn-lt"/>
                 <a:ea typeface="+mn-ea"/>
                 <a:cs typeface="+mn-cs"/>
@@ -4388,22 +4524,31 @@
               <a:t>rest parameter</a:t>
             </a:r>
             <a:r>
+              <a:rPr dirty="0"/>
               <a:t> syntax allows us to represent an indefinite number of arguments as an array.</a:t>
             </a:r>
           </a:p>
           <a:p>
-            <a:pPr/>
-            <a:r>
-              <a:t>A function's last parameter can be prefixed with ... which will cause all remaining (user supplied) arguments to be placed within a "standard" javascript array. </a:t>
-            </a:r>
-          </a:p>
-          <a:p>
-            <a:pPr/>
-            <a:r>
+            <a:r>
+              <a:rPr dirty="0"/>
+              <a:t>A function's last parameter can be prefixed with ... which will cause all remaining (user supplied) arguments to be placed within a "standard" </a:t>
+            </a:r>
+            <a:r>
+              <a:rPr dirty="0" err="1"/>
+              <a:t>javascript</a:t>
+            </a:r>
+            <a:r>
+              <a:rPr dirty="0"/>
+              <a:t> array. </a:t>
+            </a:r>
+          </a:p>
+          <a:p>
+            <a:r>
+              <a:rPr dirty="0"/>
               <a:t>Only the </a:t>
             </a:r>
             <a:r>
-              <a:rPr b="1" sz="4800">
+              <a:rPr sz="4800" b="1" dirty="0">
                 <a:latin typeface="+mn-lt"/>
                 <a:ea typeface="+mn-ea"/>
                 <a:cs typeface="+mn-cs"/>
@@ -4412,6 +4557,7 @@
               <a:t>last</a:t>
             </a:r>
             <a:r>
+              <a:rPr dirty="0"/>
               <a:t> parameter can be a "rest parameter".</a:t>
             </a:r>
           </a:p>
@@ -4422,14 +4568,14 @@
   <p:clrMapOvr>
     <a:masterClrMapping/>
   </p:clrMapOvr>
-  <p:transition xmlns:p14="http://schemas.microsoft.com/office/powerpoint/2010/main" spd="med" advClick="1"/>
+  <p:transition spd="med"/>
   <p:timing>
     <p:tnLst>
       <p:par>
-        <p:cTn id="1" nodeType="tmRoot" restart="never" dur="indefinite" fill="hold">
+        <p:cTn id="1" dur="indefinite" restart="never" fill="hold" nodeType="tmRoot">
           <p:childTnLst>
             <p:seq concurrent="1" prevAc="none" nextAc="seek">
-              <p:cTn id="2" nodeType="mainSeq" dur="indefinite" fill="hold">
+              <p:cTn id="2" dur="indefinite" fill="hold" nodeType="mainSeq">
                 <p:childTnLst>
                   <p:par>
                     <p:cTn id="3" fill="hold">
@@ -4444,11 +4590,11 @@
                             </p:stCondLst>
                             <p:childTnLst>
                               <p:par>
-                                <p:cTn id="5" presetClass="entr" nodeType="clickEffect" presetSubtype="0" presetID="1" grpId="1" fill="hold">
+                                <p:cTn id="5" presetID="1" presetClass="entr" presetSubtype="0" fill="hold" grpId="1" nodeType="clickEffect">
                                   <p:stCondLst>
                                     <p:cond delay="0"/>
                                   </p:stCondLst>
-                                  <p:iterate type="el" backwards="0">
+                                  <p:iterate>
                                     <p:tmAbs val="0"/>
                                   </p:iterate>
                                   <p:childTnLst>
@@ -4472,11 +4618,11 @@
                                 </p:cTn>
                               </p:par>
                               <p:par>
-                                <p:cTn id="7" presetClass="entr" nodeType="withEffect" presetSubtype="0" presetID="1" grpId="1" fill="hold">
+                                <p:cTn id="7" presetID="1" presetClass="entr" presetSubtype="0" fill="hold" grpId="1" nodeType="withEffect">
                                   <p:stCondLst>
                                     <p:cond delay="0"/>
                                   </p:stCondLst>
-                                  <p:iterate type="el" backwards="0">
+                                  <p:iterate>
                                     <p:tmAbs val="0"/>
                                   </p:iterate>
                                   <p:childTnLst>
@@ -4520,11 +4666,11 @@
                             </p:stCondLst>
                             <p:childTnLst>
                               <p:par>
-                                <p:cTn id="11" presetClass="entr" nodeType="clickEffect" presetSubtype="0" presetID="1" grpId="1" fill="hold">
+                                <p:cTn id="11" presetID="1" presetClass="entr" presetSubtype="0" fill="hold" grpId="1" nodeType="clickEffect">
                                   <p:stCondLst>
                                     <p:cond delay="0"/>
                                   </p:stCondLst>
-                                  <p:iterate type="el" backwards="0">
+                                  <p:iterate>
                                     <p:tmAbs val="0"/>
                                   </p:iterate>
                                   <p:childTnLst>
@@ -4568,11 +4714,11 @@
                             </p:stCondLst>
                             <p:childTnLst>
                               <p:par>
-                                <p:cTn id="15" presetClass="entr" nodeType="clickEffect" presetSubtype="0" presetID="1" grpId="1" fill="hold">
+                                <p:cTn id="15" presetID="1" presetClass="entr" presetSubtype="0" fill="hold" grpId="1" nodeType="clickEffect">
                                   <p:stCondLst>
                                     <p:cond delay="0"/>
                                   </p:stCondLst>
-                                  <p:iterate type="el" backwards="0">
+                                  <p:iterate>
                                     <p:tmAbs val="0"/>
                                   </p:iterate>
                                   <p:childTnLst>
@@ -4606,14 +4752,14 @@
                 </p:childTnLst>
               </p:cTn>
               <p:prevCondLst>
-                <p:cond evt="onPrev">
+                <p:cond evt="onPrev" delay="0">
                   <p:tgtEl>
                     <p:sldTgt/>
                   </p:tgtEl>
                 </p:cond>
               </p:prevCondLst>
               <p:nextCondLst>
-                <p:cond evt="onNext">
+                <p:cond evt="onNext" delay="0">
                   <p:tgtEl>
                     <p:sldTgt/>
                   </p:tgtEl>
@@ -4625,14 +4771,14 @@
       </p:par>
     </p:tnLst>
     <p:bldLst>
-      <p:bldP build="p" bldLvl="1" animBg="1" rev="0" advAuto="0" spid="111" grpId="1"/>
+      <p:bldP spid="111" grpId="1" build="p" animBg="1" advAuto="0"/>
     </p:bldLst>
   </p:timing>
 </p:sld>
 </file>
 
 <file path=ppt/slides/slide4.xml><?xml version="1.0" encoding="utf-8"?>
-<p:sld xmlns:a="http://schemas.openxmlformats.org/drawingml/2006/main" xmlns:r="http://schemas.openxmlformats.org/officeDocument/2006/relationships" xmlns:p="http://schemas.openxmlformats.org/presentationml/2006/main" xmlns:m="http://schemas.openxmlformats.org/officeDocument/2006/math" xmlns:a14="http://schemas.microsoft.com/office/drawing/2010/main" showMasterSp="1" showMasterPhAnim="1">
+<p:sld xmlns:a="http://schemas.openxmlformats.org/drawingml/2006/main" xmlns:r="http://schemas.openxmlformats.org/officeDocument/2006/relationships" xmlns:p="http://schemas.openxmlformats.org/presentationml/2006/main">
   <p:cSld>
     <p:spTree>
       <p:nvGrpSpPr>
@@ -4651,7 +4797,9 @@
       <p:sp>
         <p:nvSpPr>
           <p:cNvPr id="113" name="Title 1"/>
-          <p:cNvSpPr txBox="1"/>
+          <p:cNvSpPr txBox="1">
+            <a:spLocks noGrp="1"/>
+          </p:cNvSpPr>
           <p:nvPr>
             <p:ph type="title"/>
           </p:nvPr>
@@ -4669,7 +4817,6 @@
           <a:bodyPr/>
           <a:lstStyle/>
           <a:p>
-            <a:pPr/>
             <a:r>
               <a:t>Rest parameter</a:t>
             </a:r>
@@ -4695,7 +4842,7 @@
           </a:ln>
           <a:extLst>
             <a:ext uri="{C572A759-6A51-4108-AA02-DFA0A04FC94B}">
-              <ma14:wrappingTextBoxFlag xmlns:ma14="http://schemas.microsoft.com/office/mac/drawingml/2011/main" val="1"/>
+              <ma14:wrappingTextBoxFlag xmlns="" xmlns:m="http://schemas.openxmlformats.org/officeDocument/2006/math" xmlns:a14="http://schemas.microsoft.com/office/drawing/2010/main" xmlns:ma14="http://schemas.microsoft.com/office/mac/drawingml/2011/main" val="1"/>
             </a:ext>
           </a:extLst>
         </p:spPr>
@@ -4709,7 +4856,24 @@
               <a:defRPr sz="2800"/>
             </a:pPr>
             <a:r>
-              <a:t>function myFun(a, b, ...manyMoreArgs) {</a:t>
+              <a:rPr dirty="0"/>
+              <a:t>function </a:t>
+            </a:r>
+            <a:r>
+              <a:rPr dirty="0" err="1"/>
+              <a:t>myFun</a:t>
+            </a:r>
+            <a:r>
+              <a:rPr dirty="0"/>
+              <a:t>(a, b, ...</a:t>
+            </a:r>
+            <a:r>
+              <a:rPr dirty="0" err="1"/>
+              <a:t>manyMoreArgs</a:t>
+            </a:r>
+            <a:r>
+              <a:rPr dirty="0"/>
+              <a:t>) {</a:t>
             </a:r>
           </a:p>
           <a:p>
@@ -4717,7 +4881,16 @@
               <a:defRPr sz="2800"/>
             </a:pPr>
             <a:r>
-              <a:t>  console.log("a", a); </a:t>
+              <a:rPr dirty="0"/>
+              <a:t>  </a:t>
+            </a:r>
+            <a:r>
+              <a:rPr dirty="0" err="1"/>
+              <a:t>console.log</a:t>
+            </a:r>
+            <a:r>
+              <a:rPr dirty="0"/>
+              <a:t>("a", a); </a:t>
             </a:r>
           </a:p>
           <a:p>
@@ -4725,7 +4898,16 @@
               <a:defRPr sz="2800"/>
             </a:pPr>
             <a:r>
-              <a:t>  console.log("b", b);</a:t>
+              <a:rPr dirty="0"/>
+              <a:t>  </a:t>
+            </a:r>
+            <a:r>
+              <a:rPr dirty="0" err="1"/>
+              <a:t>console.log</a:t>
+            </a:r>
+            <a:r>
+              <a:rPr dirty="0"/>
+              <a:t>("b", b);</a:t>
             </a:r>
           </a:p>
           <a:p>
@@ -4733,7 +4915,32 @@
               <a:defRPr sz="2800"/>
             </a:pPr>
             <a:r>
-              <a:t>  console.log("manyMoreArgs", manyMoreArgs);</a:t>
+              <a:rPr dirty="0"/>
+              <a:t>  </a:t>
+            </a:r>
+            <a:r>
+              <a:rPr dirty="0" err="1"/>
+              <a:t>console.log</a:t>
+            </a:r>
+            <a:r>
+              <a:rPr dirty="0"/>
+              <a:t>("</a:t>
+            </a:r>
+            <a:r>
+              <a:rPr dirty="0" err="1"/>
+              <a:t>manyMoreArgs</a:t>
+            </a:r>
+            <a:r>
+              <a:rPr dirty="0"/>
+              <a:t>", </a:t>
+            </a:r>
+            <a:r>
+              <a:rPr dirty="0" err="1"/>
+              <a:t>manyMoreArgs</a:t>
+            </a:r>
+            <a:r>
+              <a:rPr dirty="0"/>
+              <a:t>);</a:t>
             </a:r>
           </a:p>
           <a:p>
@@ -4741,7 +4948,16 @@
               <a:defRPr sz="2800"/>
             </a:pPr>
             <a:r>
-              <a:t> console.log(arguments);  </a:t>
+              <a:rPr dirty="0"/>
+              <a:t> </a:t>
+            </a:r>
+            <a:r>
+              <a:rPr dirty="0" err="1"/>
+              <a:t>console.log</a:t>
+            </a:r>
+            <a:r>
+              <a:rPr dirty="0"/>
+              <a:t>(arguments);  </a:t>
             </a:r>
           </a:p>
           <a:p>
@@ -4749,6 +4965,7 @@
               <a:defRPr sz="2800"/>
             </a:pPr>
             <a:r>
+              <a:rPr dirty="0"/>
               <a:t>}</a:t>
             </a:r>
           </a:p>
@@ -4756,13 +4973,19 @@
             <a:pPr>
               <a:defRPr sz="2800"/>
             </a:pPr>
+            <a:endParaRPr dirty="0"/>
           </a:p>
           <a:p>
             <a:pPr>
               <a:defRPr sz="2800"/>
             </a:pPr>
             <a:r>
-              <a:t>myFun("one", "two", "three", "four", "five", "six");</a:t>
+              <a:rPr dirty="0" err="1"/>
+              <a:t>myFun</a:t>
+            </a:r>
+            <a:r>
+              <a:rPr dirty="0"/>
+              <a:t>("one", "two", "three", "four", "five", "six");</a:t>
             </a:r>
           </a:p>
         </p:txBody>
@@ -4772,14 +4995,14 @@
   <p:clrMapOvr>
     <a:masterClrMapping/>
   </p:clrMapOvr>
-  <p:transition xmlns:p14="http://schemas.microsoft.com/office/powerpoint/2010/main" spd="med" advClick="1"/>
+  <p:transition spd="med"/>
   <p:timing>
     <p:tnLst>
       <p:par>
-        <p:cTn id="1" nodeType="tmRoot" restart="never" dur="indefinite" fill="hold">
+        <p:cTn id="1" dur="indefinite" restart="never" fill="hold" nodeType="tmRoot">
           <p:childTnLst>
             <p:seq concurrent="1" prevAc="none" nextAc="seek">
-              <p:cTn id="2" nodeType="mainSeq" dur="indefinite" fill="hold">
+              <p:cTn id="2" dur="indefinite" fill="hold" nodeType="mainSeq">
                 <p:childTnLst>
                   <p:par>
                     <p:cTn id="3" fill="hold">
@@ -4794,11 +5017,11 @@
                             </p:stCondLst>
                             <p:childTnLst>
                               <p:par>
-                                <p:cTn id="5" presetClass="entr" nodeType="clickEffect" presetSubtype="0" presetID="1" grpId="1" fill="hold">
+                                <p:cTn id="5" presetID="1" presetClass="entr" presetSubtype="0" fill="hold" grpId="1" nodeType="clickEffect">
                                   <p:stCondLst>
                                     <p:cond delay="0"/>
                                   </p:stCondLst>
-                                  <p:iterate type="el" backwards="0">
+                                  <p:iterate>
                                     <p:tmAbs val="0"/>
                                   </p:iterate>
                                   <p:childTnLst>
@@ -4822,11 +5045,11 @@
                                 </p:cTn>
                               </p:par>
                               <p:par>
-                                <p:cTn id="7" presetClass="entr" nodeType="withEffect" presetSubtype="0" presetID="1" grpId="1" fill="hold">
+                                <p:cTn id="7" presetID="1" presetClass="entr" presetSubtype="0" fill="hold" grpId="1" nodeType="withEffect">
                                   <p:stCondLst>
                                     <p:cond delay="0"/>
                                   </p:stCondLst>
-                                  <p:iterate type="el" backwards="0">
+                                  <p:iterate>
                                     <p:tmAbs val="0"/>
                                   </p:iterate>
                                   <p:childTnLst>
@@ -4861,11 +5084,11 @@
                             </p:stCondLst>
                             <p:childTnLst>
                               <p:par>
-                                <p:cTn id="10" presetClass="entr" nodeType="afterEffect" presetSubtype="0" presetID="1" grpId="1" fill="hold">
+                                <p:cTn id="10" presetID="1" presetClass="entr" presetSubtype="0" fill="hold" grpId="1" nodeType="afterEffect">
                                   <p:stCondLst>
                                     <p:cond delay="0"/>
                                   </p:stCondLst>
-                                  <p:iterate type="el" backwards="0">
+                                  <p:iterate>
                                     <p:tmAbs val="0"/>
                                   </p:iterate>
                                   <p:childTnLst>
@@ -4900,11 +5123,11 @@
                             </p:stCondLst>
                             <p:childTnLst>
                               <p:par>
-                                <p:cTn id="13" presetClass="entr" nodeType="afterEffect" presetSubtype="0" presetID="1" grpId="1" fill="hold">
+                                <p:cTn id="13" presetID="1" presetClass="entr" presetSubtype="0" fill="hold" grpId="1" nodeType="afterEffect">
                                   <p:stCondLst>
                                     <p:cond delay="0"/>
                                   </p:stCondLst>
-                                  <p:iterate type="el" backwards="0">
+                                  <p:iterate>
                                     <p:tmAbs val="0"/>
                                   </p:iterate>
                                   <p:childTnLst>
@@ -4939,11 +5162,11 @@
                             </p:stCondLst>
                             <p:childTnLst>
                               <p:par>
-                                <p:cTn id="16" presetClass="entr" nodeType="afterEffect" presetSubtype="0" presetID="1" grpId="1" fill="hold">
+                                <p:cTn id="16" presetID="1" presetClass="entr" presetSubtype="0" fill="hold" grpId="1" nodeType="afterEffect">
                                   <p:stCondLst>
                                     <p:cond delay="0"/>
                                   </p:stCondLst>
-                                  <p:iterate type="el" backwards="0">
+                                  <p:iterate>
                                     <p:tmAbs val="0"/>
                                   </p:iterate>
                                   <p:childTnLst>
@@ -4978,11 +5201,11 @@
                             </p:stCondLst>
                             <p:childTnLst>
                               <p:par>
-                                <p:cTn id="19" presetClass="entr" nodeType="afterEffect" presetSubtype="0" presetID="1" grpId="1" fill="hold">
+                                <p:cTn id="19" presetID="1" presetClass="entr" presetSubtype="0" fill="hold" grpId="1" nodeType="afterEffect">
                                   <p:stCondLst>
                                     <p:cond delay="0"/>
                                   </p:stCondLst>
-                                  <p:iterate type="el" backwards="0">
+                                  <p:iterate>
                                     <p:tmAbs val="0"/>
                                   </p:iterate>
                                   <p:childTnLst>
@@ -5017,11 +5240,11 @@
                             </p:stCondLst>
                             <p:childTnLst>
                               <p:par>
-                                <p:cTn id="22" presetClass="entr" nodeType="afterEffect" presetSubtype="0" presetID="1" grpId="1" fill="hold">
+                                <p:cTn id="22" presetID="1" presetClass="entr" presetSubtype="0" fill="hold" grpId="1" nodeType="afterEffect">
                                   <p:stCondLst>
                                     <p:cond delay="0"/>
                                   </p:stCondLst>
-                                  <p:iterate type="el" backwards="0">
+                                  <p:iterate>
                                     <p:tmAbs val="0"/>
                                   </p:iterate>
                                   <p:childTnLst>
@@ -5056,11 +5279,11 @@
                             </p:stCondLst>
                             <p:childTnLst>
                               <p:par>
-                                <p:cTn id="25" presetClass="entr" nodeType="afterEffect" presetSubtype="0" presetID="1" grpId="1" fill="hold">
+                                <p:cTn id="25" presetID="1" presetClass="entr" presetSubtype="0" fill="hold" grpId="1" nodeType="afterEffect">
                                   <p:stCondLst>
                                     <p:cond delay="0"/>
                                   </p:stCondLst>
-                                  <p:iterate type="el" backwards="0">
+                                  <p:iterate>
                                     <p:tmAbs val="0"/>
                                   </p:iterate>
                                   <p:childTnLst>
@@ -5104,11 +5327,11 @@
                             </p:stCondLst>
                             <p:childTnLst>
                               <p:par>
-                                <p:cTn id="29" presetClass="entr" nodeType="clickEffect" presetSubtype="0" presetID="1" grpId="1" fill="hold">
+                                <p:cTn id="29" presetID="1" presetClass="entr" presetSubtype="0" fill="hold" grpId="1" nodeType="clickEffect">
                                   <p:stCondLst>
                                     <p:cond delay="0"/>
                                   </p:stCondLst>
-                                  <p:iterate type="el" backwards="0">
+                                  <p:iterate>
                                     <p:tmAbs val="0"/>
                                   </p:iterate>
                                   <p:childTnLst>
@@ -5142,14 +5365,14 @@
                 </p:childTnLst>
               </p:cTn>
               <p:prevCondLst>
-                <p:cond evt="onPrev">
+                <p:cond evt="onPrev" delay="0">
                   <p:tgtEl>
                     <p:sldTgt/>
                   </p:tgtEl>
                 </p:cond>
               </p:prevCondLst>
               <p:nextCondLst>
-                <p:cond evt="onNext">
+                <p:cond evt="onNext" delay="0">
                   <p:tgtEl>
                     <p:sldTgt/>
                   </p:tgtEl>
@@ -5161,14 +5384,14 @@
       </p:par>
     </p:tnLst>
     <p:bldLst>
-      <p:bldP build="p" bldLvl="5" animBg="1" rev="0" advAuto="0" spid="114" grpId="1"/>
+      <p:bldP spid="114" grpId="1" build="p" bldLvl="5" animBg="1" advAuto="0"/>
     </p:bldLst>
   </p:timing>
 </p:sld>
 </file>
 
 <file path=ppt/slides/slide5.xml><?xml version="1.0" encoding="utf-8"?>
-<p:sld xmlns:a="http://schemas.openxmlformats.org/drawingml/2006/main" xmlns:r="http://schemas.openxmlformats.org/officeDocument/2006/relationships" xmlns:p="http://schemas.openxmlformats.org/presentationml/2006/main" xmlns:m="http://schemas.openxmlformats.org/officeDocument/2006/math" xmlns:a14="http://schemas.microsoft.com/office/drawing/2010/main" showMasterSp="1" showMasterPhAnim="1">
+<p:sld xmlns:a="http://schemas.openxmlformats.org/drawingml/2006/main" xmlns:r="http://schemas.openxmlformats.org/officeDocument/2006/relationships" xmlns:p="http://schemas.openxmlformats.org/presentationml/2006/main">
   <p:cSld>
     <p:spTree>
       <p:nvGrpSpPr>
@@ -5187,7 +5410,9 @@
       <p:sp>
         <p:nvSpPr>
           <p:cNvPr id="116" name="Title 1"/>
-          <p:cNvSpPr txBox="1"/>
+          <p:cNvSpPr txBox="1">
+            <a:spLocks noGrp="1"/>
+          </p:cNvSpPr>
           <p:nvPr>
             <p:ph type="title"/>
           </p:nvPr>
@@ -5205,7 +5430,6 @@
           <a:bodyPr/>
           <a:lstStyle/>
           <a:p>
-            <a:pPr/>
             <a:r>
               <a:t>Destructuring assignment</a:t>
             </a:r>
@@ -5231,7 +5455,7 @@
           </a:ln>
           <a:extLst>
             <a:ext uri="{C572A759-6A51-4108-AA02-DFA0A04FC94B}">
-              <ma14:wrappingTextBoxFlag xmlns:ma14="http://schemas.microsoft.com/office/mac/drawingml/2011/main" val="1"/>
+              <ma14:wrappingTextBoxFlag xmlns="" xmlns:m="http://schemas.openxmlformats.org/officeDocument/2006/math" xmlns:a14="http://schemas.microsoft.com/office/drawing/2010/main" xmlns:ma14="http://schemas.microsoft.com/office/mac/drawingml/2011/main" val="1"/>
             </a:ext>
           </a:extLst>
         </p:spPr>
@@ -5244,12 +5468,14 @@
             <a:pPr>
               <a:defRPr sz="2800"/>
             </a:pPr>
+            <a:endParaRPr dirty="0"/>
           </a:p>
           <a:p>
             <a:pPr>
               <a:defRPr sz="2800"/>
             </a:pPr>
             <a:r>
+              <a:rPr dirty="0"/>
               <a:t>let a1, b1, r;</a:t>
             </a:r>
           </a:p>
@@ -5258,6 +5484,7 @@
               <a:defRPr sz="2800"/>
             </a:pPr>
             <a:r>
+              <a:rPr dirty="0"/>
               <a:t>[a1, b1] = [10, 20];</a:t>
             </a:r>
           </a:p>
@@ -5266,7 +5493,12 @@
               <a:defRPr sz="2800"/>
             </a:pPr>
             <a:r>
-              <a:t>console.log(a1);      // expected output: 10</a:t>
+              <a:rPr dirty="0" err="1"/>
+              <a:t>console.log</a:t>
+            </a:r>
+            <a:r>
+              <a:rPr dirty="0"/>
+              <a:t>(a1);      // expected output: 10</a:t>
             </a:r>
           </a:p>
           <a:p>
@@ -5274,7 +5506,12 @@
               <a:defRPr sz="2800"/>
             </a:pPr>
             <a:r>
-              <a:t>console.log(b1);      // expected output: 20</a:t>
+              <a:rPr dirty="0" err="1"/>
+              <a:t>console.log</a:t>
+            </a:r>
+            <a:r>
+              <a:rPr dirty="0"/>
+              <a:t>(b1);      // expected output: 20</a:t>
             </a:r>
           </a:p>
           <a:p>
@@ -5282,6 +5519,7 @@
               <a:defRPr sz="2800"/>
             </a:pPr>
             <a:r>
+              <a:rPr dirty="0"/>
               <a:t>[a1, b1, ...r] = [10, 20, 30, 40, 50];</a:t>
             </a:r>
           </a:p>
@@ -5290,7 +5528,12 @@
               <a:defRPr sz="2800"/>
             </a:pPr>
             <a:r>
-              <a:t>console.log(r);        // expected output: Array [30,40,50]</a:t>
+              <a:rPr dirty="0" err="1"/>
+              <a:t>console.log</a:t>
+            </a:r>
+            <a:r>
+              <a:rPr dirty="0"/>
+              <a:t>(r);        // expected output: Array [30,40,50]</a:t>
             </a:r>
           </a:p>
         </p:txBody>
@@ -5304,7 +5547,7 @@
         <p:spPr>
           <a:xfrm>
             <a:off x="497665" y="4918350"/>
-            <a:ext cx="4669748" cy="1308359"/>
+            <a:ext cx="4669748" cy="1384995"/>
           </a:xfrm>
           <a:prstGeom prst="rect">
             <a:avLst/>
@@ -5314,7 +5557,7 @@
           </a:ln>
           <a:extLst>
             <a:ext uri="{C572A759-6A51-4108-AA02-DFA0A04FC94B}">
-              <ma14:wrappingTextBoxFlag xmlns:ma14="http://schemas.microsoft.com/office/mac/drawingml/2011/main" val="1"/>
+              <ma14:wrappingTextBoxFlag xmlns="" xmlns:m="http://schemas.openxmlformats.org/officeDocument/2006/math" xmlns:a14="http://schemas.microsoft.com/office/drawing/2010/main" xmlns:ma14="http://schemas.microsoft.com/office/mac/drawingml/2011/main" val="1"/>
             </a:ext>
           </a:extLst>
         </p:spPr>
@@ -5328,7 +5571,24 @@
               <a:defRPr sz="2800"/>
             </a:pPr>
             <a:r>
-              <a:t>({ a, b } = { a1: 10, b1: 20 });</a:t>
+              <a:rPr dirty="0"/>
+              <a:t>({ a</a:t>
+            </a:r>
+            <a:r>
+              <a:rPr lang="en-US" dirty="0"/>
+              <a:t>1</a:t>
+            </a:r>
+            <a:r>
+              <a:rPr dirty="0"/>
+              <a:t>, b</a:t>
+            </a:r>
+            <a:r>
+              <a:rPr lang="en-US" dirty="0"/>
+              <a:t>1</a:t>
+            </a:r>
+            <a:r>
+              <a:rPr dirty="0"/>
+              <a:t> } = { a1: 10, b1: 20 });</a:t>
             </a:r>
           </a:p>
           <a:p>
@@ -5336,7 +5596,20 @@
               <a:defRPr sz="2800"/>
             </a:pPr>
             <a:r>
-              <a:t>console.log(a); // 10</a:t>
+              <a:rPr dirty="0" err="1"/>
+              <a:t>console.log</a:t>
+            </a:r>
+            <a:r>
+              <a:rPr dirty="0"/>
+              <a:t>(a</a:t>
+            </a:r>
+            <a:r>
+              <a:rPr lang="en-US" dirty="0"/>
+              <a:t>1</a:t>
+            </a:r>
+            <a:r>
+              <a:rPr dirty="0"/>
+              <a:t>); // 10</a:t>
             </a:r>
           </a:p>
           <a:p>
@@ -5344,7 +5617,22 @@
               <a:defRPr sz="2800"/>
             </a:pPr>
             <a:r>
-              <a:t>console.log(b); // 20</a:t>
+              <a:rPr dirty="0" err="1"/>
+              <a:t>console.log</a:t>
+            </a:r>
+            <a:r>
+              <a:t>(b</a:t>
+            </a:r>
+            <a:r>
+              <a:rPr lang="en-US"/>
+              <a:t>1</a:t>
+            </a:r>
+            <a:r>
+              <a:t>); </a:t>
+            </a:r>
+            <a:r>
+              <a:rPr dirty="0"/>
+              <a:t>// 20</a:t>
             </a:r>
           </a:p>
         </p:txBody>
@@ -5368,7 +5656,7 @@
           </a:ln>
           <a:extLst>
             <a:ext uri="{C572A759-6A51-4108-AA02-DFA0A04FC94B}">
-              <ma14:wrappingTextBoxFlag xmlns:ma14="http://schemas.microsoft.com/office/mac/drawingml/2011/main" val="1"/>
+              <ma14:wrappingTextBoxFlag xmlns="" xmlns:m="http://schemas.openxmlformats.org/officeDocument/2006/math" xmlns:a14="http://schemas.microsoft.com/office/drawing/2010/main" xmlns:ma14="http://schemas.microsoft.com/office/mac/drawingml/2011/main" val="1"/>
             </a:ext>
           </a:extLst>
         </p:spPr>
@@ -5382,6 +5670,7 @@
               <a:defRPr sz="2800"/>
             </a:pPr>
             <a:r>
+              <a:rPr dirty="0"/>
               <a:t>({a, b, ...x} = {a: 10, b: 20, c: 30, d: 40});</a:t>
             </a:r>
           </a:p>
@@ -5390,7 +5679,12 @@
               <a:defRPr sz="2800"/>
             </a:pPr>
             <a:r>
-              <a:t>console.log(a); // 10</a:t>
+              <a:rPr dirty="0" err="1"/>
+              <a:t>console.log</a:t>
+            </a:r>
+            <a:r>
+              <a:rPr dirty="0"/>
+              <a:t>(a); // 10</a:t>
             </a:r>
           </a:p>
           <a:p>
@@ -5398,7 +5692,12 @@
               <a:defRPr sz="2800"/>
             </a:pPr>
             <a:r>
-              <a:t>console.log(b); // 20</a:t>
+              <a:rPr dirty="0" err="1"/>
+              <a:t>console.log</a:t>
+            </a:r>
+            <a:r>
+              <a:rPr dirty="0"/>
+              <a:t>(b); // 20</a:t>
             </a:r>
           </a:p>
           <a:p>
@@ -5406,7 +5705,12 @@
               <a:defRPr sz="2800"/>
             </a:pPr>
             <a:r>
-              <a:t>console.log(x); // {c: 30, d: 40}</a:t>
+              <a:rPr dirty="0" err="1"/>
+              <a:t>console.log</a:t>
+            </a:r>
+            <a:r>
+              <a:rPr dirty="0"/>
+              <a:t>(x); // {c: 30, d: 40}</a:t>
             </a:r>
           </a:p>
         </p:txBody>
@@ -5416,14 +5720,14 @@
   <p:clrMapOvr>
     <a:masterClrMapping/>
   </p:clrMapOvr>
-  <p:transition xmlns:p14="http://schemas.microsoft.com/office/powerpoint/2010/main" spd="med" advClick="1"/>
+  <p:transition spd="med"/>
   <p:timing>
     <p:tnLst>
       <p:par>
-        <p:cTn id="1" nodeType="tmRoot" restart="never" dur="indefinite" fill="hold">
+        <p:cTn id="1" dur="indefinite" restart="never" fill="hold" nodeType="tmRoot">
           <p:childTnLst>
             <p:seq concurrent="1" prevAc="none" nextAc="seek">
-              <p:cTn id="2" nodeType="mainSeq" dur="indefinite" fill="hold">
+              <p:cTn id="2" dur="indefinite" fill="hold" nodeType="mainSeq">
                 <p:childTnLst>
                   <p:par>
                     <p:cTn id="3" fill="hold">
@@ -5438,11 +5742,11 @@
                             </p:stCondLst>
                             <p:childTnLst>
                               <p:par>
-                                <p:cTn id="5" presetClass="entr" nodeType="clickEffect" presetSubtype="0" presetID="1" grpId="1" fill="hold">
+                                <p:cTn id="5" presetID="1" presetClass="entr" presetSubtype="0" fill="hold" grpId="1" nodeType="clickEffect">
                                   <p:stCondLst>
                                     <p:cond delay="0"/>
                                   </p:stCondLst>
-                                  <p:iterate type="el" backwards="0">
+                                  <p:iterate>
                                     <p:tmAbs val="0"/>
                                   </p:iterate>
                                   <p:childTnLst>
@@ -5482,11 +5786,11 @@
                             </p:stCondLst>
                             <p:childTnLst>
                               <p:par>
-                                <p:cTn id="9" presetClass="entr" nodeType="clickEffect" presetSubtype="0" presetID="1" grpId="2" fill="hold">
+                                <p:cTn id="9" presetID="1" presetClass="entr" presetSubtype="0" fill="hold" grpId="2" nodeType="clickEffect">
                                   <p:stCondLst>
                                     <p:cond delay="0"/>
                                   </p:stCondLst>
-                                  <p:iterate type="el" backwards="0">
+                                  <p:iterate>
                                     <p:tmAbs val="0"/>
                                   </p:iterate>
                                   <p:childTnLst>
@@ -5526,11 +5830,11 @@
                             </p:stCondLst>
                             <p:childTnLst>
                               <p:par>
-                                <p:cTn id="13" presetClass="entr" nodeType="clickEffect" presetSubtype="0" presetID="1" grpId="3" fill="hold">
+                                <p:cTn id="13" presetID="1" presetClass="entr" presetSubtype="0" fill="hold" grpId="3" nodeType="clickEffect">
                                   <p:stCondLst>
                                     <p:cond delay="0"/>
                                   </p:stCondLst>
-                                  <p:iterate type="el" backwards="0">
+                                  <p:iterate>
                                     <p:tmAbs val="0"/>
                                   </p:iterate>
                                   <p:childTnLst>
@@ -5560,14 +5864,14 @@
                 </p:childTnLst>
               </p:cTn>
               <p:prevCondLst>
-                <p:cond evt="onPrev">
+                <p:cond evt="onPrev" delay="0">
                   <p:tgtEl>
                     <p:sldTgt/>
                   </p:tgtEl>
                 </p:cond>
               </p:prevCondLst>
               <p:nextCondLst>
-                <p:cond evt="onNext">
+                <p:cond evt="onNext" delay="0">
                   <p:tgtEl>
                     <p:sldTgt/>
                   </p:tgtEl>
@@ -5579,16 +5883,16 @@
       </p:par>
     </p:tnLst>
     <p:bldLst>
-      <p:bldP build="whole" bldLvl="1" animBg="1" rev="0" advAuto="0" spid="117" grpId="1"/>
-      <p:bldP build="whole" bldLvl="1" animBg="1" rev="0" advAuto="0" spid="119" grpId="3"/>
-      <p:bldP build="whole" bldLvl="1" animBg="1" rev="0" advAuto="0" spid="118" grpId="2"/>
+      <p:bldP spid="117" grpId="1" animBg="1" advAuto="0"/>
+      <p:bldP spid="118" grpId="2" animBg="1" advAuto="0"/>
+      <p:bldP spid="119" grpId="3" animBg="1" advAuto="0"/>
     </p:bldLst>
   </p:timing>
 </p:sld>
 </file>
 
 <file path=ppt/slides/slide6.xml><?xml version="1.0" encoding="utf-8"?>
-<p:sld xmlns:a="http://schemas.openxmlformats.org/drawingml/2006/main" xmlns:r="http://schemas.openxmlformats.org/officeDocument/2006/relationships" xmlns:p="http://schemas.openxmlformats.org/presentationml/2006/main" xmlns:m="http://schemas.openxmlformats.org/officeDocument/2006/math" xmlns:a14="http://schemas.microsoft.com/office/drawing/2010/main" showMasterSp="1" showMasterPhAnim="1">
+<p:sld xmlns:a="http://schemas.openxmlformats.org/drawingml/2006/main" xmlns:r="http://schemas.openxmlformats.org/officeDocument/2006/relationships" xmlns:p="http://schemas.openxmlformats.org/presentationml/2006/main">
   <p:cSld>
     <p:spTree>
       <p:nvGrpSpPr>
@@ -5607,7 +5911,9 @@
       <p:sp>
         <p:nvSpPr>
           <p:cNvPr id="121" name="Title 1"/>
-          <p:cNvSpPr txBox="1"/>
+          <p:cNvSpPr txBox="1">
+            <a:spLocks noGrp="1"/>
+          </p:cNvSpPr>
           <p:nvPr>
             <p:ph type="title"/>
           </p:nvPr>
@@ -5625,7 +5931,6 @@
           <a:bodyPr/>
           <a:lstStyle/>
           <a:p>
-            <a:pPr/>
             <a:r>
               <a:t>Destructuring assignment - Arrays</a:t>
             </a:r>
@@ -5640,8 +5945,8 @@
         </p:nvSpPr>
         <p:spPr>
           <a:xfrm>
-            <a:off x="761256" y="1782404"/>
-            <a:ext cx="10868350" cy="5194559"/>
+            <a:off x="761256" y="1663441"/>
+            <a:ext cx="10868350" cy="4832092"/>
           </a:xfrm>
           <a:prstGeom prst="rect">
             <a:avLst/>
@@ -5651,7 +5956,7 @@
           </a:ln>
           <a:extLst>
             <a:ext uri="{C572A759-6A51-4108-AA02-DFA0A04FC94B}">
-              <ma14:wrappingTextBoxFlag xmlns:ma14="http://schemas.microsoft.com/office/mac/drawingml/2011/main" val="1"/>
+              <ma14:wrappingTextBoxFlag xmlns="" xmlns:m="http://schemas.openxmlformats.org/officeDocument/2006/math" xmlns:a14="http://schemas.microsoft.com/office/drawing/2010/main" xmlns:ma14="http://schemas.microsoft.com/office/mac/drawingml/2011/main" val="1"/>
             </a:ext>
           </a:extLst>
         </p:spPr>
@@ -5665,6 +5970,7 @@
               <a:defRPr sz="2800"/>
             </a:pPr>
             <a:r>
+              <a:rPr dirty="0"/>
               <a:t>const foo = ['one', 'two', 'three'];</a:t>
             </a:r>
           </a:p>
@@ -5673,6 +5979,7 @@
               <a:defRPr sz="2800"/>
             </a:pPr>
             <a:r>
+              <a:rPr dirty="0"/>
               <a:t>const [red, yellow , green, orange='or'] = foo;   // last value is default</a:t>
             </a:r>
           </a:p>
@@ -5681,7 +5988,12 @@
               <a:defRPr sz="2800"/>
             </a:pPr>
             <a:r>
-              <a:t>console.log(red); // "one"</a:t>
+              <a:rPr dirty="0" err="1"/>
+              <a:t>console.log</a:t>
+            </a:r>
+            <a:r>
+              <a:rPr dirty="0"/>
+              <a:t>(red); // "one"</a:t>
             </a:r>
           </a:p>
           <a:p>
@@ -5689,7 +6001,12 @@
               <a:defRPr sz="2800"/>
             </a:pPr>
             <a:r>
-              <a:t>console.log(yellow); // "two"</a:t>
+              <a:rPr dirty="0" err="1"/>
+              <a:t>console.log</a:t>
+            </a:r>
+            <a:r>
+              <a:rPr dirty="0"/>
+              <a:t>(yellow); // "two"</a:t>
             </a:r>
           </a:p>
           <a:p>
@@ -5697,7 +6014,12 @@
               <a:defRPr sz="2800"/>
             </a:pPr>
             <a:r>
-              <a:t>console.log(green); // "three“</a:t>
+              <a:rPr dirty="0" err="1"/>
+              <a:t>console.log</a:t>
+            </a:r>
+            <a:r>
+              <a:rPr dirty="0"/>
+              <a:t>(green); // "three“</a:t>
             </a:r>
           </a:p>
           <a:p>
@@ -5705,19 +6027,34 @@
               <a:defRPr sz="2800"/>
             </a:pPr>
             <a:r>
-              <a:t>console.log(orange); // "three“</a:t>
+              <a:rPr dirty="0" err="1"/>
+              <a:t>console.log</a:t>
+            </a:r>
+            <a:r>
+              <a:rPr dirty="0"/>
+              <a:t>(orange); // "</a:t>
+            </a:r>
+            <a:r>
+              <a:rPr lang="en-US" dirty="0"/>
+              <a:t>or</a:t>
+            </a:r>
+            <a:r>
+              <a:rPr dirty="0"/>
+              <a:t>“</a:t>
             </a:r>
           </a:p>
           <a:p>
             <a:pPr>
               <a:defRPr sz="2800"/>
             </a:pPr>
+            <a:endParaRPr dirty="0"/>
           </a:p>
           <a:p>
             <a:pPr>
               <a:defRPr sz="2800"/>
             </a:pPr>
             <a:r>
+              <a:rPr dirty="0"/>
               <a:t>let a = 1, b = 3;</a:t>
             </a:r>
           </a:p>
@@ -5726,6 +6063,7 @@
               <a:defRPr sz="2800"/>
             </a:pPr>
             <a:r>
+              <a:rPr dirty="0"/>
               <a:t>[a, b] = [b, a];</a:t>
             </a:r>
           </a:p>
@@ -5734,7 +6072,12 @@
               <a:defRPr sz="2800"/>
             </a:pPr>
             <a:r>
-              <a:t>console.log(a); // 3</a:t>
+              <a:rPr dirty="0" err="1"/>
+              <a:t>console.log</a:t>
+            </a:r>
+            <a:r>
+              <a:rPr dirty="0"/>
+              <a:t>(a); // 3</a:t>
             </a:r>
           </a:p>
           <a:p>
@@ -5742,7 +6085,12 @@
               <a:defRPr sz="2800"/>
             </a:pPr>
             <a:r>
-              <a:t>console.log(b); // 1</a:t>
+              <a:rPr dirty="0" err="1"/>
+              <a:t>console.log</a:t>
+            </a:r>
+            <a:r>
+              <a:rPr dirty="0"/>
+              <a:t>(b); // 1</a:t>
             </a:r>
           </a:p>
         </p:txBody>
@@ -5752,12 +6100,12 @@
   <p:clrMapOvr>
     <a:masterClrMapping/>
   </p:clrMapOvr>
-  <p:transition xmlns:p14="http://schemas.microsoft.com/office/powerpoint/2010/main" spd="med" advClick="1"/>
+  <p:transition spd="med"/>
 </p:sld>
 </file>
 
 <file path=ppt/slides/slide7.xml><?xml version="1.0" encoding="utf-8"?>
-<p:sld xmlns:a="http://schemas.openxmlformats.org/drawingml/2006/main" xmlns:r="http://schemas.openxmlformats.org/officeDocument/2006/relationships" xmlns:p="http://schemas.openxmlformats.org/presentationml/2006/main" xmlns:m="http://schemas.openxmlformats.org/officeDocument/2006/math" xmlns:a14="http://schemas.microsoft.com/office/drawing/2010/main" showMasterSp="1" showMasterPhAnim="1">
+<p:sld xmlns:a="http://schemas.openxmlformats.org/drawingml/2006/main" xmlns:r="http://schemas.openxmlformats.org/officeDocument/2006/relationships" xmlns:p="http://schemas.openxmlformats.org/presentationml/2006/main">
   <p:cSld>
     <p:spTree>
       <p:nvGrpSpPr>
@@ -5776,7 +6124,9 @@
       <p:sp>
         <p:nvSpPr>
           <p:cNvPr id="124" name="Task"/>
-          <p:cNvSpPr txBox="1"/>
+          <p:cNvSpPr txBox="1">
+            <a:spLocks noGrp="1"/>
+          </p:cNvSpPr>
           <p:nvPr>
             <p:ph type="title"/>
           </p:nvPr>
@@ -5790,7 +6140,6 @@
           <a:bodyPr/>
           <a:lstStyle/>
           <a:p>
-            <a:pPr/>
             <a:r>
               <a:t>Task</a:t>
             </a:r>
@@ -5800,7 +6149,9 @@
       <p:sp>
         <p:nvSpPr>
           <p:cNvPr id="125" name="const person = {…"/>
-          <p:cNvSpPr txBox="1"/>
+          <p:cNvSpPr txBox="1">
+            <a:spLocks noGrp="1"/>
+          </p:cNvSpPr>
           <p:nvPr>
             <p:ph type="body" idx="1"/>
           </p:nvPr>
@@ -5911,6 +6262,7 @@
               <a:buNone/>
               <a:defRPr sz="1792"/>
             </a:pPr>
+            <a:endParaRPr/>
           </a:p>
           <a:p>
             <a:pPr marL="0" indent="0" defTabSz="585215">
@@ -5964,6 +6316,7 @@
               <a:buNone/>
               <a:defRPr sz="1792"/>
             </a:pPr>
+            <a:endParaRPr/>
           </a:p>
           <a:p>
             <a:pPr marL="0" indent="0" defTabSz="585215">
@@ -5989,6 +6342,7 @@
               <a:buNone/>
               <a:defRPr sz="1792"/>
             </a:pPr>
+            <a:endParaRPr/>
           </a:p>
           <a:p>
             <a:pPr marL="0" indent="0" defTabSz="585215">
@@ -6053,7 +6407,7 @@
           </a:ln>
           <a:extLst>
             <a:ext uri="{C572A759-6A51-4108-AA02-DFA0A04FC94B}">
-              <ma14:wrappingTextBoxFlag xmlns:ma14="http://schemas.microsoft.com/office/mac/drawingml/2011/main" val="1"/>
+              <ma14:wrappingTextBoxFlag xmlns="" xmlns:m="http://schemas.openxmlformats.org/officeDocument/2006/math" xmlns:a14="http://schemas.microsoft.com/office/drawing/2010/main" xmlns:ma14="http://schemas.microsoft.com/office/mac/drawingml/2011/main" val="1"/>
             </a:ext>
           </a:extLst>
         </p:spPr>
@@ -6067,7 +6421,6 @@
             </a:lvl1pPr>
           </a:lstStyle>
           <a:p>
-            <a:pPr/>
             <a:r>
               <a:t>person</a:t>
             </a:r>
@@ -6093,7 +6446,7 @@
           </a:ln>
           <a:extLst>
             <a:ext uri="{C572A759-6A51-4108-AA02-DFA0A04FC94B}">
-              <ma14:wrappingTextBoxFlag xmlns:ma14="http://schemas.microsoft.com/office/mac/drawingml/2011/main" val="1"/>
+              <ma14:wrappingTextBoxFlag xmlns="" xmlns:m="http://schemas.openxmlformats.org/officeDocument/2006/math" xmlns:a14="http://schemas.microsoft.com/office/drawing/2010/main" xmlns:ma14="http://schemas.microsoft.com/office/mac/drawingml/2011/main" val="1"/>
             </a:ext>
           </a:extLst>
         </p:spPr>
@@ -6133,12 +6486,12 @@
   <p:clrMapOvr>
     <a:masterClrMapping/>
   </p:clrMapOvr>
-  <p:transition xmlns:p14="http://schemas.microsoft.com/office/powerpoint/2010/main" spd="med" advClick="1"/>
+  <p:transition spd="med"/>
 </p:sld>
 </file>
 
 <file path=ppt/slides/slide8.xml><?xml version="1.0" encoding="utf-8"?>
-<p:sld xmlns:a="http://schemas.openxmlformats.org/drawingml/2006/main" xmlns:r="http://schemas.openxmlformats.org/officeDocument/2006/relationships" xmlns:p="http://schemas.openxmlformats.org/presentationml/2006/main" xmlns:m="http://schemas.openxmlformats.org/officeDocument/2006/math" xmlns:a14="http://schemas.microsoft.com/office/drawing/2010/main" showMasterSp="1" showMasterPhAnim="1">
+<p:sld xmlns:a="http://schemas.openxmlformats.org/drawingml/2006/main" xmlns:r="http://schemas.openxmlformats.org/officeDocument/2006/relationships" xmlns:p="http://schemas.openxmlformats.org/presentationml/2006/main">
   <p:cSld>
     <p:spTree>
       <p:nvGrpSpPr>
@@ -6157,7 +6510,9 @@
       <p:sp>
         <p:nvSpPr>
           <p:cNvPr id="129" name="Task"/>
-          <p:cNvSpPr txBox="1"/>
+          <p:cNvSpPr txBox="1">
+            <a:spLocks noGrp="1"/>
+          </p:cNvSpPr>
           <p:nvPr>
             <p:ph type="title"/>
           </p:nvPr>
@@ -6171,7 +6526,6 @@
           <a:bodyPr/>
           <a:lstStyle/>
           <a:p>
-            <a:pPr/>
             <a:r>
               <a:t>Task</a:t>
             </a:r>
@@ -6181,7 +6535,9 @@
       <p:sp>
         <p:nvSpPr>
           <p:cNvPr id="130" name="function joinFirstLastName(________) { // we create firstName and lastName variables by destructuring person parameter…"/>
-          <p:cNvSpPr txBox="1"/>
+          <p:cNvSpPr txBox="1">
+            <a:spLocks noGrp="1"/>
+          </p:cNvSpPr>
           <p:nvPr>
             <p:ph type="body" idx="1"/>
           </p:nvPr>
@@ -6250,6 +6606,7 @@
               <a:buNone/>
               <a:defRPr sz="1932"/>
             </a:pPr>
+            <a:endParaRPr/>
           </a:p>
           <a:p>
             <a:pPr marL="0" indent="0" defTabSz="630936">
@@ -6345,6 +6702,7 @@
               <a:buNone/>
               <a:defRPr sz="1932"/>
             </a:pPr>
+            <a:endParaRPr/>
           </a:p>
           <a:p>
             <a:pPr marL="0" indent="0" defTabSz="630936">
@@ -6381,7 +6739,7 @@
           </a:ln>
           <a:extLst>
             <a:ext uri="{C572A759-6A51-4108-AA02-DFA0A04FC94B}">
-              <ma14:wrappingTextBoxFlag xmlns:ma14="http://schemas.microsoft.com/office/mac/drawingml/2011/main" val="1"/>
+              <ma14:wrappingTextBoxFlag xmlns="" xmlns:m="http://schemas.openxmlformats.org/officeDocument/2006/math" xmlns:a14="http://schemas.microsoft.com/office/drawing/2010/main" xmlns:ma14="http://schemas.microsoft.com/office/mac/drawingml/2011/main" val="1"/>
             </a:ext>
           </a:extLst>
         </p:spPr>
@@ -6395,7 +6753,6 @@
             </a:lvl1pPr>
           </a:lstStyle>
           <a:p>
-            <a:pPr/>
             <a:r>
               <a:t>{ firstName, lastName }</a:t>
             </a:r>
@@ -6407,12 +6764,12 @@
   <p:clrMapOvr>
     <a:masterClrMapping/>
   </p:clrMapOvr>
-  <p:transition xmlns:p14="http://schemas.microsoft.com/office/powerpoint/2010/main" spd="med" advClick="1"/>
+  <p:transition spd="med"/>
 </p:sld>
 </file>
 
 <file path=ppt/slides/slide9.xml><?xml version="1.0" encoding="utf-8"?>
-<p:sld xmlns:a="http://schemas.openxmlformats.org/drawingml/2006/main" xmlns:r="http://schemas.openxmlformats.org/officeDocument/2006/relationships" xmlns:p="http://schemas.openxmlformats.org/presentationml/2006/main" xmlns:m="http://schemas.openxmlformats.org/officeDocument/2006/math" xmlns:a14="http://schemas.microsoft.com/office/drawing/2010/main" showMasterSp="1" showMasterPhAnim="1">
+<p:sld xmlns:a="http://schemas.openxmlformats.org/drawingml/2006/main" xmlns:r="http://schemas.openxmlformats.org/officeDocument/2006/relationships" xmlns:p="http://schemas.openxmlformats.org/presentationml/2006/main">
   <p:cSld>
     <p:spTree>
       <p:nvGrpSpPr>
@@ -6431,7 +6788,9 @@
       <p:sp>
         <p:nvSpPr>
           <p:cNvPr id="133" name="Task"/>
-          <p:cNvSpPr txBox="1"/>
+          <p:cNvSpPr txBox="1">
+            <a:spLocks noGrp="1"/>
+          </p:cNvSpPr>
           <p:nvPr>
             <p:ph type="title"/>
           </p:nvPr>
@@ -6445,7 +6804,6 @@
           <a:bodyPr/>
           <a:lstStyle/>
           <a:p>
-            <a:pPr/>
             <a:r>
               <a:t>Task</a:t>
             </a:r>
@@ -6455,7 +6813,9 @@
       <p:sp>
         <p:nvSpPr>
           <p:cNvPr id="134" name="var list = [ 1, 2, 3 ]…"/>
-          <p:cNvSpPr txBox="1"/>
+          <p:cNvSpPr txBox="1">
+            <a:spLocks noGrp="1"/>
+          </p:cNvSpPr>
           <p:nvPr>
             <p:ph type="body" idx="1"/>
           </p:nvPr>
@@ -6519,7 +6879,7 @@
           </a:ln>
           <a:extLst>
             <a:ext uri="{C572A759-6A51-4108-AA02-DFA0A04FC94B}">
-              <ma14:wrappingTextBoxFlag xmlns:ma14="http://schemas.microsoft.com/office/mac/drawingml/2011/main" val="1"/>
+              <ma14:wrappingTextBoxFlag xmlns="" xmlns:m="http://schemas.openxmlformats.org/officeDocument/2006/math" xmlns:a14="http://schemas.microsoft.com/office/drawing/2010/main" xmlns:ma14="http://schemas.microsoft.com/office/mac/drawingml/2011/main" val="1"/>
             </a:ext>
           </a:extLst>
         </p:spPr>
@@ -6539,7 +6899,6 @@
             </a:lvl1pPr>
           </a:lstStyle>
           <a:p>
-            <a:pPr/>
             <a:r>
               <a:t>a, , b </a:t>
             </a:r>
@@ -6551,12 +6910,12 @@
   <p:clrMapOvr>
     <a:masterClrMapping/>
   </p:clrMapOvr>
-  <p:transition xmlns:p14="http://schemas.microsoft.com/office/powerpoint/2010/main" spd="med" advClick="1"/>
+  <p:transition spd="med"/>
 </p:sld>
 </file>
 
 <file path=ppt/theme/theme1.xml><?xml version="1.0" encoding="utf-8"?>
-<a:theme xmlns:a="http://schemas.openxmlformats.org/drawingml/2006/main" xmlns:r="http://schemas.openxmlformats.org/officeDocument/2006/relationships" name="Office Theme">
+<a:theme xmlns:a="http://schemas.openxmlformats.org/drawingml/2006/main" name="Office Theme">
   <a:themeElements>
     <a:clrScheme name="Office Theme">
       <a:dk1>
@@ -6758,7 +7117,7 @@
         <a:effectLst/>
         <a:sp3d/>
       </a:spPr>
-      <a:bodyPr rot="0" spcFirstLastPara="1" vertOverflow="overflow" horzOverflow="overflow" vert="horz" wrap="square" lIns="45719" tIns="45719" rIns="45719" bIns="45719" numCol="1" spcCol="38100" rtlCol="0" anchor="ctr" upright="0">
+      <a:bodyPr rot="0" spcFirstLastPara="1" vertOverflow="overflow" horzOverflow="overflow" vert="horz" wrap="square" lIns="45719" tIns="45719" rIns="45719" bIns="45719" numCol="1" spcCol="38100" rtlCol="0" anchor="ctr">
         <a:spAutoFit/>
       </a:bodyPr>
       <a:lstStyle>
@@ -6777,7 +7136,7 @@
           <a:buFontTx/>
           <a:buNone/>
           <a:tabLst/>
-          <a:defRPr b="0" baseline="0" cap="none" i="0" spc="0" strike="noStrike" sz="1800" u="none" kumimoji="0" normalizeH="0">
+          <a:defRPr kumimoji="0" sz="1800" b="0" i="0" u="none" strike="noStrike" cap="none" spc="0" normalizeH="0" baseline="0">
             <a:ln>
               <a:noFill/>
             </a:ln>
@@ -6807,7 +7166,7 @@
           <a:buFontTx/>
           <a:buNone/>
           <a:tabLst/>
-          <a:defRPr b="0" baseline="0" cap="none" i="0" spc="0" strike="noStrike" sz="1800" u="none" kumimoji="0" normalizeH="0">
+          <a:defRPr kumimoji="0" sz="1800" b="0" i="0" u="none" strike="noStrike" cap="none" spc="0" normalizeH="0" baseline="0">
             <a:ln>
               <a:noFill/>
             </a:ln>
@@ -6833,7 +7192,7 @@
           <a:buFontTx/>
           <a:buNone/>
           <a:tabLst/>
-          <a:defRPr b="0" baseline="0" cap="none" i="0" spc="0" strike="noStrike" sz="1800" u="none" kumimoji="0" normalizeH="0">
+          <a:defRPr kumimoji="0" sz="1800" b="0" i="0" u="none" strike="noStrike" cap="none" spc="0" normalizeH="0" baseline="0">
             <a:ln>
               <a:noFill/>
             </a:ln>
@@ -6859,7 +7218,7 @@
           <a:buFontTx/>
           <a:buNone/>
           <a:tabLst/>
-          <a:defRPr b="0" baseline="0" cap="none" i="0" spc="0" strike="noStrike" sz="1800" u="none" kumimoji="0" normalizeH="0">
+          <a:defRPr kumimoji="0" sz="1800" b="0" i="0" u="none" strike="noStrike" cap="none" spc="0" normalizeH="0" baseline="0">
             <a:ln>
               <a:noFill/>
             </a:ln>
@@ -6885,7 +7244,7 @@
           <a:buFontTx/>
           <a:buNone/>
           <a:tabLst/>
-          <a:defRPr b="0" baseline="0" cap="none" i="0" spc="0" strike="noStrike" sz="1800" u="none" kumimoji="0" normalizeH="0">
+          <a:defRPr kumimoji="0" sz="1800" b="0" i="0" u="none" strike="noStrike" cap="none" spc="0" normalizeH="0" baseline="0">
             <a:ln>
               <a:noFill/>
             </a:ln>
@@ -6911,7 +7270,7 @@
           <a:buFontTx/>
           <a:buNone/>
           <a:tabLst/>
-          <a:defRPr b="0" baseline="0" cap="none" i="0" spc="0" strike="noStrike" sz="1800" u="none" kumimoji="0" normalizeH="0">
+          <a:defRPr kumimoji="0" sz="1800" b="0" i="0" u="none" strike="noStrike" cap="none" spc="0" normalizeH="0" baseline="0">
             <a:ln>
               <a:noFill/>
             </a:ln>
@@ -6937,7 +7296,7 @@
           <a:buFontTx/>
           <a:buNone/>
           <a:tabLst/>
-          <a:defRPr b="0" baseline="0" cap="none" i="0" spc="0" strike="noStrike" sz="1800" u="none" kumimoji="0" normalizeH="0">
+          <a:defRPr kumimoji="0" sz="1800" b="0" i="0" u="none" strike="noStrike" cap="none" spc="0" normalizeH="0" baseline="0">
             <a:ln>
               <a:noFill/>
             </a:ln>
@@ -6963,7 +7322,7 @@
           <a:buFontTx/>
           <a:buNone/>
           <a:tabLst/>
-          <a:defRPr b="0" baseline="0" cap="none" i="0" spc="0" strike="noStrike" sz="1800" u="none" kumimoji="0" normalizeH="0">
+          <a:defRPr kumimoji="0" sz="1800" b="0" i="0" u="none" strike="noStrike" cap="none" spc="0" normalizeH="0" baseline="0">
             <a:ln>
               <a:noFill/>
             </a:ln>
@@ -6989,7 +7348,7 @@
           <a:buFontTx/>
           <a:buNone/>
           <a:tabLst/>
-          <a:defRPr b="0" baseline="0" cap="none" i="0" spc="0" strike="noStrike" sz="1800" u="none" kumimoji="0" normalizeH="0">
+          <a:defRPr kumimoji="0" sz="1800" b="0" i="0" u="none" strike="noStrike" cap="none" spc="0" normalizeH="0" baseline="0">
             <a:ln>
               <a:noFill/>
             </a:ln>
@@ -7015,7 +7374,7 @@
           <a:buFontTx/>
           <a:buNone/>
           <a:tabLst/>
-          <a:defRPr b="0" baseline="0" cap="none" i="0" spc="0" strike="noStrike" sz="1800" u="none" kumimoji="0" normalizeH="0">
+          <a:defRPr kumimoji="0" sz="1800" b="0" i="0" u="none" strike="noStrike" cap="none" spc="0" normalizeH="0" baseline="0">
             <a:ln>
               <a:noFill/>
             </a:ln>
@@ -7028,9 +7387,15 @@
         </a:lvl9pPr>
       </a:lstStyle>
       <a:style>
-        <a:lnRef idx="0"/>
-        <a:fillRef idx="0"/>
-        <a:effectRef idx="0"/>
+        <a:lnRef idx="0">
+          <a:scrgbClr r="0" g="0" b="0"/>
+        </a:lnRef>
+        <a:fillRef idx="0">
+          <a:scrgbClr r="0" g="0" b="0"/>
+        </a:fillRef>
+        <a:effectRef idx="0">
+          <a:scrgbClr r="0" g="0" b="0"/>
+        </a:effectRef>
         <a:fontRef idx="none"/>
       </a:style>
     </a:spDef>
@@ -7047,7 +7412,7 @@
         <a:effectLst/>
         <a:sp3d/>
       </a:spPr>
-      <a:bodyPr rot="0" spcFirstLastPara="1" vertOverflow="overflow" horzOverflow="overflow" vert="horz" wrap="square" lIns="91439" tIns="45719" rIns="91439" bIns="45719" numCol="1" spcCol="38100" rtlCol="0" anchor="t" upright="0">
+      <a:bodyPr rot="0" spcFirstLastPara="1" vertOverflow="overflow" horzOverflow="overflow" vert="horz" wrap="square" lIns="91439" tIns="45719" rIns="91439" bIns="45719" numCol="1" spcCol="38100" rtlCol="0" anchor="t">
         <a:noAutofit/>
       </a:bodyPr>
       <a:lstStyle>
@@ -7066,7 +7431,7 @@
           <a:buFontTx/>
           <a:buNone/>
           <a:tabLst/>
-          <a:defRPr b="0" baseline="0" cap="none" i="0" spc="0" strike="noStrike" sz="1800" u="none" kumimoji="0" normalizeH="0">
+          <a:defRPr kumimoji="0" sz="1800" b="0" i="0" u="none" strike="noStrike" cap="none" spc="0" normalizeH="0" baseline="0">
             <a:ln>
               <a:noFill/>
             </a:ln>
@@ -7092,7 +7457,7 @@
           <a:buFontTx/>
           <a:buNone/>
           <a:tabLst/>
-          <a:defRPr b="0" baseline="0" cap="none" i="0" spc="0" strike="noStrike" sz="1800" u="none" kumimoji="0" normalizeH="0">
+          <a:defRPr kumimoji="0" sz="1800" b="0" i="0" u="none" strike="noStrike" cap="none" spc="0" normalizeH="0" baseline="0">
             <a:ln>
               <a:noFill/>
             </a:ln>
@@ -7118,7 +7483,7 @@
           <a:buFontTx/>
           <a:buNone/>
           <a:tabLst/>
-          <a:defRPr b="0" baseline="0" cap="none" i="0" spc="0" strike="noStrike" sz="1800" u="none" kumimoji="0" normalizeH="0">
+          <a:defRPr kumimoji="0" sz="1800" b="0" i="0" u="none" strike="noStrike" cap="none" spc="0" normalizeH="0" baseline="0">
             <a:ln>
               <a:noFill/>
             </a:ln>
@@ -7144,7 +7509,7 @@
           <a:buFontTx/>
           <a:buNone/>
           <a:tabLst/>
-          <a:defRPr b="0" baseline="0" cap="none" i="0" spc="0" strike="noStrike" sz="1800" u="none" kumimoji="0" normalizeH="0">
+          <a:defRPr kumimoji="0" sz="1800" b="0" i="0" u="none" strike="noStrike" cap="none" spc="0" normalizeH="0" baseline="0">
             <a:ln>
               <a:noFill/>
             </a:ln>
@@ -7170,7 +7535,7 @@
           <a:buFontTx/>
           <a:buNone/>
           <a:tabLst/>
-          <a:defRPr b="0" baseline="0" cap="none" i="0" spc="0" strike="noStrike" sz="1800" u="none" kumimoji="0" normalizeH="0">
+          <a:defRPr kumimoji="0" sz="1800" b="0" i="0" u="none" strike="noStrike" cap="none" spc="0" normalizeH="0" baseline="0">
             <a:ln>
               <a:noFill/>
             </a:ln>
@@ -7196,7 +7561,7 @@
           <a:buFontTx/>
           <a:buNone/>
           <a:tabLst/>
-          <a:defRPr b="0" baseline="0" cap="none" i="0" spc="0" strike="noStrike" sz="1800" u="none" kumimoji="0" normalizeH="0">
+          <a:defRPr kumimoji="0" sz="1800" b="0" i="0" u="none" strike="noStrike" cap="none" spc="0" normalizeH="0" baseline="0">
             <a:ln>
               <a:noFill/>
             </a:ln>
@@ -7222,7 +7587,7 @@
           <a:buFontTx/>
           <a:buNone/>
           <a:tabLst/>
-          <a:defRPr b="0" baseline="0" cap="none" i="0" spc="0" strike="noStrike" sz="1800" u="none" kumimoji="0" normalizeH="0">
+          <a:defRPr kumimoji="0" sz="1800" b="0" i="0" u="none" strike="noStrike" cap="none" spc="0" normalizeH="0" baseline="0">
             <a:ln>
               <a:noFill/>
             </a:ln>
@@ -7248,7 +7613,7 @@
           <a:buFontTx/>
           <a:buNone/>
           <a:tabLst/>
-          <a:defRPr b="0" baseline="0" cap="none" i="0" spc="0" strike="noStrike" sz="1800" u="none" kumimoji="0" normalizeH="0">
+          <a:defRPr kumimoji="0" sz="1800" b="0" i="0" u="none" strike="noStrike" cap="none" spc="0" normalizeH="0" baseline="0">
             <a:ln>
               <a:noFill/>
             </a:ln>
@@ -7274,7 +7639,7 @@
           <a:buFontTx/>
           <a:buNone/>
           <a:tabLst/>
-          <a:defRPr b="0" baseline="0" cap="none" i="0" spc="0" strike="noStrike" sz="1800" u="none" kumimoji="0" normalizeH="0">
+          <a:defRPr kumimoji="0" sz="1800" b="0" i="0" u="none" strike="noStrike" cap="none" spc="0" normalizeH="0" baseline="0">
             <a:ln>
               <a:noFill/>
             </a:ln>
@@ -7300,7 +7665,7 @@
           <a:buFontTx/>
           <a:buNone/>
           <a:tabLst/>
-          <a:defRPr b="0" baseline="0" cap="none" i="0" spc="0" strike="noStrike" sz="1800" u="none" kumimoji="0" normalizeH="0">
+          <a:defRPr kumimoji="0" sz="1800" b="0" i="0" u="none" strike="noStrike" cap="none" spc="0" normalizeH="0" baseline="0">
             <a:ln>
               <a:noFill/>
             </a:ln>
@@ -7313,9 +7678,15 @@
         </a:lvl9pPr>
       </a:lstStyle>
       <a:style>
-        <a:lnRef idx="0"/>
-        <a:fillRef idx="0"/>
-        <a:effectRef idx="0"/>
+        <a:lnRef idx="0">
+          <a:scrgbClr r="0" g="0" b="0"/>
+        </a:lnRef>
+        <a:fillRef idx="0">
+          <a:scrgbClr r="0" g="0" b="0"/>
+        </a:fillRef>
+        <a:effectRef idx="0">
+          <a:scrgbClr r="0" g="0" b="0"/>
+        </a:effectRef>
         <a:fontRef idx="none"/>
       </a:style>
     </a:lnDef>
@@ -7329,7 +7700,7 @@
         <a:effectLst/>
         <a:sp3d/>
       </a:spPr>
-      <a:bodyPr rot="0" spcFirstLastPara="1" vertOverflow="overflow" horzOverflow="overflow" vert="horz" wrap="square" lIns="45719" tIns="45719" rIns="45719" bIns="45719" numCol="1" spcCol="38100" rtlCol="0" anchor="t" upright="0">
+      <a:bodyPr rot="0" spcFirstLastPara="1" vertOverflow="overflow" horzOverflow="overflow" vert="horz" wrap="square" lIns="45719" tIns="45719" rIns="45719" bIns="45719" numCol="1" spcCol="38100" rtlCol="0" anchor="t">
         <a:spAutoFit/>
       </a:bodyPr>
       <a:lstStyle>
@@ -7348,7 +7719,7 @@
           <a:buFontTx/>
           <a:buNone/>
           <a:tabLst/>
-          <a:defRPr b="0" baseline="0" cap="none" i="0" spc="0" strike="noStrike" sz="1800" u="none" kumimoji="0" normalizeH="0">
+          <a:defRPr kumimoji="0" sz="1800" b="0" i="0" u="none" strike="noStrike" cap="none" spc="0" normalizeH="0" baseline="0">
             <a:ln>
               <a:noFill/>
             </a:ln>
@@ -7378,7 +7749,7 @@
           <a:buFontTx/>
           <a:buNone/>
           <a:tabLst/>
-          <a:defRPr b="0" baseline="0" cap="none" i="0" spc="0" strike="noStrike" sz="1800" u="none" kumimoji="0" normalizeH="0">
+          <a:defRPr kumimoji="0" sz="1800" b="0" i="0" u="none" strike="noStrike" cap="none" spc="0" normalizeH="0" baseline="0">
             <a:ln>
               <a:noFill/>
             </a:ln>
@@ -7404,7 +7775,7 @@
           <a:buFontTx/>
           <a:buNone/>
           <a:tabLst/>
-          <a:defRPr b="0" baseline="0" cap="none" i="0" spc="0" strike="noStrike" sz="1800" u="none" kumimoji="0" normalizeH="0">
+          <a:defRPr kumimoji="0" sz="1800" b="0" i="0" u="none" strike="noStrike" cap="none" spc="0" normalizeH="0" baseline="0">
             <a:ln>
               <a:noFill/>
             </a:ln>
@@ -7430,7 +7801,7 @@
           <a:buFontTx/>
           <a:buNone/>
           <a:tabLst/>
-          <a:defRPr b="0" baseline="0" cap="none" i="0" spc="0" strike="noStrike" sz="1800" u="none" kumimoji="0" normalizeH="0">
+          <a:defRPr kumimoji="0" sz="1800" b="0" i="0" u="none" strike="noStrike" cap="none" spc="0" normalizeH="0" baseline="0">
             <a:ln>
               <a:noFill/>
             </a:ln>
@@ -7456,7 +7827,7 @@
           <a:buFontTx/>
           <a:buNone/>
           <a:tabLst/>
-          <a:defRPr b="0" baseline="0" cap="none" i="0" spc="0" strike="noStrike" sz="1800" u="none" kumimoji="0" normalizeH="0">
+          <a:defRPr kumimoji="0" sz="1800" b="0" i="0" u="none" strike="noStrike" cap="none" spc="0" normalizeH="0" baseline="0">
             <a:ln>
               <a:noFill/>
             </a:ln>
@@ -7482,7 +7853,7 @@
           <a:buFontTx/>
           <a:buNone/>
           <a:tabLst/>
-          <a:defRPr b="0" baseline="0" cap="none" i="0" spc="0" strike="noStrike" sz="1800" u="none" kumimoji="0" normalizeH="0">
+          <a:defRPr kumimoji="0" sz="1800" b="0" i="0" u="none" strike="noStrike" cap="none" spc="0" normalizeH="0" baseline="0">
             <a:ln>
               <a:noFill/>
             </a:ln>
@@ -7508,7 +7879,7 @@
           <a:buFontTx/>
           <a:buNone/>
           <a:tabLst/>
-          <a:defRPr b="0" baseline="0" cap="none" i="0" spc="0" strike="noStrike" sz="1800" u="none" kumimoji="0" normalizeH="0">
+          <a:defRPr kumimoji="0" sz="1800" b="0" i="0" u="none" strike="noStrike" cap="none" spc="0" normalizeH="0" baseline="0">
             <a:ln>
               <a:noFill/>
             </a:ln>
@@ -7534,7 +7905,7 @@
           <a:buFontTx/>
           <a:buNone/>
           <a:tabLst/>
-          <a:defRPr b="0" baseline="0" cap="none" i="0" spc="0" strike="noStrike" sz="1800" u="none" kumimoji="0" normalizeH="0">
+          <a:defRPr kumimoji="0" sz="1800" b="0" i="0" u="none" strike="noStrike" cap="none" spc="0" normalizeH="0" baseline="0">
             <a:ln>
               <a:noFill/>
             </a:ln>
@@ -7560,7 +7931,7 @@
           <a:buFontTx/>
           <a:buNone/>
           <a:tabLst/>
-          <a:defRPr b="0" baseline="0" cap="none" i="0" spc="0" strike="noStrike" sz="1800" u="none" kumimoji="0" normalizeH="0">
+          <a:defRPr kumimoji="0" sz="1800" b="0" i="0" u="none" strike="noStrike" cap="none" spc="0" normalizeH="0" baseline="0">
             <a:ln>
               <a:noFill/>
             </a:ln>
@@ -7586,7 +7957,7 @@
           <a:buFontTx/>
           <a:buNone/>
           <a:tabLst/>
-          <a:defRPr b="0" baseline="0" cap="none" i="0" spc="0" strike="noStrike" sz="1800" u="none" kumimoji="0" normalizeH="0">
+          <a:defRPr kumimoji="0" sz="1800" b="0" i="0" u="none" strike="noStrike" cap="none" spc="0" normalizeH="0" baseline="0">
             <a:ln>
               <a:noFill/>
             </a:ln>
@@ -7599,18 +7970,25 @@
         </a:lvl9pPr>
       </a:lstStyle>
       <a:style>
-        <a:lnRef idx="0"/>
-        <a:fillRef idx="0"/>
-        <a:effectRef idx="0"/>
+        <a:lnRef idx="0">
+          <a:scrgbClr r="0" g="0" b="0"/>
+        </a:lnRef>
+        <a:fillRef idx="0">
+          <a:scrgbClr r="0" g="0" b="0"/>
+        </a:fillRef>
+        <a:effectRef idx="0">
+          <a:scrgbClr r="0" g="0" b="0"/>
+        </a:effectRef>
         <a:fontRef idx="none"/>
       </a:style>
     </a:txDef>
   </a:objectDefaults>
+  <a:extraClrSchemeLst/>
 </a:theme>
 </file>
 
 <file path=ppt/theme/theme2.xml><?xml version="1.0" encoding="utf-8"?>
-<a:theme xmlns:a="http://schemas.openxmlformats.org/drawingml/2006/main" xmlns:r="http://schemas.openxmlformats.org/officeDocument/2006/relationships" name="Office Theme">
+<a:theme xmlns:a="http://schemas.openxmlformats.org/drawingml/2006/main" name="Office Theme">
   <a:themeElements>
     <a:clrScheme name="Office Theme">
       <a:dk1>
@@ -7812,7 +8190,7 @@
         <a:effectLst/>
         <a:sp3d/>
       </a:spPr>
-      <a:bodyPr rot="0" spcFirstLastPara="1" vertOverflow="overflow" horzOverflow="overflow" vert="horz" wrap="square" lIns="45719" tIns="45719" rIns="45719" bIns="45719" numCol="1" spcCol="38100" rtlCol="0" anchor="ctr" upright="0">
+      <a:bodyPr rot="0" spcFirstLastPara="1" vertOverflow="overflow" horzOverflow="overflow" vert="horz" wrap="square" lIns="45719" tIns="45719" rIns="45719" bIns="45719" numCol="1" spcCol="38100" rtlCol="0" anchor="ctr">
         <a:spAutoFit/>
       </a:bodyPr>
       <a:lstStyle>
@@ -7831,7 +8209,7 @@
           <a:buFontTx/>
           <a:buNone/>
           <a:tabLst/>
-          <a:defRPr b="0" baseline="0" cap="none" i="0" spc="0" strike="noStrike" sz="1800" u="none" kumimoji="0" normalizeH="0">
+          <a:defRPr kumimoji="0" sz="1800" b="0" i="0" u="none" strike="noStrike" cap="none" spc="0" normalizeH="0" baseline="0">
             <a:ln>
               <a:noFill/>
             </a:ln>
@@ -7861,7 +8239,7 @@
           <a:buFontTx/>
           <a:buNone/>
           <a:tabLst/>
-          <a:defRPr b="0" baseline="0" cap="none" i="0" spc="0" strike="noStrike" sz="1800" u="none" kumimoji="0" normalizeH="0">
+          <a:defRPr kumimoji="0" sz="1800" b="0" i="0" u="none" strike="noStrike" cap="none" spc="0" normalizeH="0" baseline="0">
             <a:ln>
               <a:noFill/>
             </a:ln>
@@ -7887,7 +8265,7 @@
           <a:buFontTx/>
           <a:buNone/>
           <a:tabLst/>
-          <a:defRPr b="0" baseline="0" cap="none" i="0" spc="0" strike="noStrike" sz="1800" u="none" kumimoji="0" normalizeH="0">
+          <a:defRPr kumimoji="0" sz="1800" b="0" i="0" u="none" strike="noStrike" cap="none" spc="0" normalizeH="0" baseline="0">
             <a:ln>
               <a:noFill/>
             </a:ln>
@@ -7913,7 +8291,7 @@
           <a:buFontTx/>
           <a:buNone/>
           <a:tabLst/>
-          <a:defRPr b="0" baseline="0" cap="none" i="0" spc="0" strike="noStrike" sz="1800" u="none" kumimoji="0" normalizeH="0">
+          <a:defRPr kumimoji="0" sz="1800" b="0" i="0" u="none" strike="noStrike" cap="none" spc="0" normalizeH="0" baseline="0">
             <a:ln>
               <a:noFill/>
             </a:ln>
@@ -7939,7 +8317,7 @@
           <a:buFontTx/>
           <a:buNone/>
           <a:tabLst/>
-          <a:defRPr b="0" baseline="0" cap="none" i="0" spc="0" strike="noStrike" sz="1800" u="none" kumimoji="0" normalizeH="0">
+          <a:defRPr kumimoji="0" sz="1800" b="0" i="0" u="none" strike="noStrike" cap="none" spc="0" normalizeH="0" baseline="0">
             <a:ln>
               <a:noFill/>
             </a:ln>
@@ -7965,7 +8343,7 @@
           <a:buFontTx/>
           <a:buNone/>
           <a:tabLst/>
-          <a:defRPr b="0" baseline="0" cap="none" i="0" spc="0" strike="noStrike" sz="1800" u="none" kumimoji="0" normalizeH="0">
+          <a:defRPr kumimoji="0" sz="1800" b="0" i="0" u="none" strike="noStrike" cap="none" spc="0" normalizeH="0" baseline="0">
             <a:ln>
               <a:noFill/>
             </a:ln>
@@ -7991,7 +8369,7 @@
           <a:buFontTx/>
           <a:buNone/>
           <a:tabLst/>
-          <a:defRPr b="0" baseline="0" cap="none" i="0" spc="0" strike="noStrike" sz="1800" u="none" kumimoji="0" normalizeH="0">
+          <a:defRPr kumimoji="0" sz="1800" b="0" i="0" u="none" strike="noStrike" cap="none" spc="0" normalizeH="0" baseline="0">
             <a:ln>
               <a:noFill/>
             </a:ln>
@@ -8017,7 +8395,7 @@
           <a:buFontTx/>
           <a:buNone/>
           <a:tabLst/>
-          <a:defRPr b="0" baseline="0" cap="none" i="0" spc="0" strike="noStrike" sz="1800" u="none" kumimoji="0" normalizeH="0">
+          <a:defRPr kumimoji="0" sz="1800" b="0" i="0" u="none" strike="noStrike" cap="none" spc="0" normalizeH="0" baseline="0">
             <a:ln>
               <a:noFill/>
             </a:ln>
@@ -8043,7 +8421,7 @@
           <a:buFontTx/>
           <a:buNone/>
           <a:tabLst/>
-          <a:defRPr b="0" baseline="0" cap="none" i="0" spc="0" strike="noStrike" sz="1800" u="none" kumimoji="0" normalizeH="0">
+          <a:defRPr kumimoji="0" sz="1800" b="0" i="0" u="none" strike="noStrike" cap="none" spc="0" normalizeH="0" baseline="0">
             <a:ln>
               <a:noFill/>
             </a:ln>
@@ -8069,7 +8447,7 @@
           <a:buFontTx/>
           <a:buNone/>
           <a:tabLst/>
-          <a:defRPr b="0" baseline="0" cap="none" i="0" spc="0" strike="noStrike" sz="1800" u="none" kumimoji="0" normalizeH="0">
+          <a:defRPr kumimoji="0" sz="1800" b="0" i="0" u="none" strike="noStrike" cap="none" spc="0" normalizeH="0" baseline="0">
             <a:ln>
               <a:noFill/>
             </a:ln>
@@ -8082,9 +8460,15 @@
         </a:lvl9pPr>
       </a:lstStyle>
       <a:style>
-        <a:lnRef idx="0"/>
-        <a:fillRef idx="0"/>
-        <a:effectRef idx="0"/>
+        <a:lnRef idx="0">
+          <a:scrgbClr r="0" g="0" b="0"/>
+        </a:lnRef>
+        <a:fillRef idx="0">
+          <a:scrgbClr r="0" g="0" b="0"/>
+        </a:fillRef>
+        <a:effectRef idx="0">
+          <a:scrgbClr r="0" g="0" b="0"/>
+        </a:effectRef>
         <a:fontRef idx="none"/>
       </a:style>
     </a:spDef>
@@ -8101,7 +8485,7 @@
         <a:effectLst/>
         <a:sp3d/>
       </a:spPr>
-      <a:bodyPr rot="0" spcFirstLastPara="1" vertOverflow="overflow" horzOverflow="overflow" vert="horz" wrap="square" lIns="91439" tIns="45719" rIns="91439" bIns="45719" numCol="1" spcCol="38100" rtlCol="0" anchor="t" upright="0">
+      <a:bodyPr rot="0" spcFirstLastPara="1" vertOverflow="overflow" horzOverflow="overflow" vert="horz" wrap="square" lIns="91439" tIns="45719" rIns="91439" bIns="45719" numCol="1" spcCol="38100" rtlCol="0" anchor="t">
         <a:noAutofit/>
       </a:bodyPr>
       <a:lstStyle>
@@ -8120,7 +8504,7 @@
           <a:buFontTx/>
           <a:buNone/>
           <a:tabLst/>
-          <a:defRPr b="0" baseline="0" cap="none" i="0" spc="0" strike="noStrike" sz="1800" u="none" kumimoji="0" normalizeH="0">
+          <a:defRPr kumimoji="0" sz="1800" b="0" i="0" u="none" strike="noStrike" cap="none" spc="0" normalizeH="0" baseline="0">
             <a:ln>
               <a:noFill/>
             </a:ln>
@@ -8146,7 +8530,7 @@
           <a:buFontTx/>
           <a:buNone/>
           <a:tabLst/>
-          <a:defRPr b="0" baseline="0" cap="none" i="0" spc="0" strike="noStrike" sz="1800" u="none" kumimoji="0" normalizeH="0">
+          <a:defRPr kumimoji="0" sz="1800" b="0" i="0" u="none" strike="noStrike" cap="none" spc="0" normalizeH="0" baseline="0">
             <a:ln>
               <a:noFill/>
             </a:ln>
@@ -8172,7 +8556,7 @@
           <a:buFontTx/>
           <a:buNone/>
           <a:tabLst/>
-          <a:defRPr b="0" baseline="0" cap="none" i="0" spc="0" strike="noStrike" sz="1800" u="none" kumimoji="0" normalizeH="0">
+          <a:defRPr kumimoji="0" sz="1800" b="0" i="0" u="none" strike="noStrike" cap="none" spc="0" normalizeH="0" baseline="0">
             <a:ln>
               <a:noFill/>
             </a:ln>
@@ -8198,7 +8582,7 @@
           <a:buFontTx/>
           <a:buNone/>
           <a:tabLst/>
-          <a:defRPr b="0" baseline="0" cap="none" i="0" spc="0" strike="noStrike" sz="1800" u="none" kumimoji="0" normalizeH="0">
+          <a:defRPr kumimoji="0" sz="1800" b="0" i="0" u="none" strike="noStrike" cap="none" spc="0" normalizeH="0" baseline="0">
             <a:ln>
               <a:noFill/>
             </a:ln>
@@ -8224,7 +8608,7 @@
           <a:buFontTx/>
           <a:buNone/>
           <a:tabLst/>
-          <a:defRPr b="0" baseline="0" cap="none" i="0" spc="0" strike="noStrike" sz="1800" u="none" kumimoji="0" normalizeH="0">
+          <a:defRPr kumimoji="0" sz="1800" b="0" i="0" u="none" strike="noStrike" cap="none" spc="0" normalizeH="0" baseline="0">
             <a:ln>
               <a:noFill/>
             </a:ln>
@@ -8250,7 +8634,7 @@
           <a:buFontTx/>
           <a:buNone/>
           <a:tabLst/>
-          <a:defRPr b="0" baseline="0" cap="none" i="0" spc="0" strike="noStrike" sz="1800" u="none" kumimoji="0" normalizeH="0">
+          <a:defRPr kumimoji="0" sz="1800" b="0" i="0" u="none" strike="noStrike" cap="none" spc="0" normalizeH="0" baseline="0">
             <a:ln>
               <a:noFill/>
             </a:ln>
@@ -8276,7 +8660,7 @@
           <a:buFontTx/>
           <a:buNone/>
           <a:tabLst/>
-          <a:defRPr b="0" baseline="0" cap="none" i="0" spc="0" strike="noStrike" sz="1800" u="none" kumimoji="0" normalizeH="0">
+          <a:defRPr kumimoji="0" sz="1800" b="0" i="0" u="none" strike="noStrike" cap="none" spc="0" normalizeH="0" baseline="0">
             <a:ln>
               <a:noFill/>
             </a:ln>
@@ -8302,7 +8686,7 @@
           <a:buFontTx/>
           <a:buNone/>
           <a:tabLst/>
-          <a:defRPr b="0" baseline="0" cap="none" i="0" spc="0" strike="noStrike" sz="1800" u="none" kumimoji="0" normalizeH="0">
+          <a:defRPr kumimoji="0" sz="1800" b="0" i="0" u="none" strike="noStrike" cap="none" spc="0" normalizeH="0" baseline="0">
             <a:ln>
               <a:noFill/>
             </a:ln>
@@ -8328,7 +8712,7 @@
           <a:buFontTx/>
           <a:buNone/>
           <a:tabLst/>
-          <a:defRPr b="0" baseline="0" cap="none" i="0" spc="0" strike="noStrike" sz="1800" u="none" kumimoji="0" normalizeH="0">
+          <a:defRPr kumimoji="0" sz="1800" b="0" i="0" u="none" strike="noStrike" cap="none" spc="0" normalizeH="0" baseline="0">
             <a:ln>
               <a:noFill/>
             </a:ln>
@@ -8354,7 +8738,7 @@
           <a:buFontTx/>
           <a:buNone/>
           <a:tabLst/>
-          <a:defRPr b="0" baseline="0" cap="none" i="0" spc="0" strike="noStrike" sz="1800" u="none" kumimoji="0" normalizeH="0">
+          <a:defRPr kumimoji="0" sz="1800" b="0" i="0" u="none" strike="noStrike" cap="none" spc="0" normalizeH="0" baseline="0">
             <a:ln>
               <a:noFill/>
             </a:ln>
@@ -8367,9 +8751,15 @@
         </a:lvl9pPr>
       </a:lstStyle>
       <a:style>
-        <a:lnRef idx="0"/>
-        <a:fillRef idx="0"/>
-        <a:effectRef idx="0"/>
+        <a:lnRef idx="0">
+          <a:scrgbClr r="0" g="0" b="0"/>
+        </a:lnRef>
+        <a:fillRef idx="0">
+          <a:scrgbClr r="0" g="0" b="0"/>
+        </a:fillRef>
+        <a:effectRef idx="0">
+          <a:scrgbClr r="0" g="0" b="0"/>
+        </a:effectRef>
         <a:fontRef idx="none"/>
       </a:style>
     </a:lnDef>
@@ -8383,7 +8773,7 @@
         <a:effectLst/>
         <a:sp3d/>
       </a:spPr>
-      <a:bodyPr rot="0" spcFirstLastPara="1" vertOverflow="overflow" horzOverflow="overflow" vert="horz" wrap="square" lIns="45719" tIns="45719" rIns="45719" bIns="45719" numCol="1" spcCol="38100" rtlCol="0" anchor="t" upright="0">
+      <a:bodyPr rot="0" spcFirstLastPara="1" vertOverflow="overflow" horzOverflow="overflow" vert="horz" wrap="square" lIns="45719" tIns="45719" rIns="45719" bIns="45719" numCol="1" spcCol="38100" rtlCol="0" anchor="t">
         <a:spAutoFit/>
       </a:bodyPr>
       <a:lstStyle>
@@ -8402,7 +8792,7 @@
           <a:buFontTx/>
           <a:buNone/>
           <a:tabLst/>
-          <a:defRPr b="0" baseline="0" cap="none" i="0" spc="0" strike="noStrike" sz="1800" u="none" kumimoji="0" normalizeH="0">
+          <a:defRPr kumimoji="0" sz="1800" b="0" i="0" u="none" strike="noStrike" cap="none" spc="0" normalizeH="0" baseline="0">
             <a:ln>
               <a:noFill/>
             </a:ln>
@@ -8432,7 +8822,7 @@
           <a:buFontTx/>
           <a:buNone/>
           <a:tabLst/>
-          <a:defRPr b="0" baseline="0" cap="none" i="0" spc="0" strike="noStrike" sz="1800" u="none" kumimoji="0" normalizeH="0">
+          <a:defRPr kumimoji="0" sz="1800" b="0" i="0" u="none" strike="noStrike" cap="none" spc="0" normalizeH="0" baseline="0">
             <a:ln>
               <a:noFill/>
             </a:ln>
@@ -8458,7 +8848,7 @@
           <a:buFontTx/>
           <a:buNone/>
           <a:tabLst/>
-          <a:defRPr b="0" baseline="0" cap="none" i="0" spc="0" strike="noStrike" sz="1800" u="none" kumimoji="0" normalizeH="0">
+          <a:defRPr kumimoji="0" sz="1800" b="0" i="0" u="none" strike="noStrike" cap="none" spc="0" normalizeH="0" baseline="0">
             <a:ln>
               <a:noFill/>
             </a:ln>
@@ -8484,7 +8874,7 @@
           <a:buFontTx/>
           <a:buNone/>
           <a:tabLst/>
-          <a:defRPr b="0" baseline="0" cap="none" i="0" spc="0" strike="noStrike" sz="1800" u="none" kumimoji="0" normalizeH="0">
+          <a:defRPr kumimoji="0" sz="1800" b="0" i="0" u="none" strike="noStrike" cap="none" spc="0" normalizeH="0" baseline="0">
             <a:ln>
               <a:noFill/>
             </a:ln>
@@ -8510,7 +8900,7 @@
           <a:buFontTx/>
           <a:buNone/>
           <a:tabLst/>
-          <a:defRPr b="0" baseline="0" cap="none" i="0" spc="0" strike="noStrike" sz="1800" u="none" kumimoji="0" normalizeH="0">
+          <a:defRPr kumimoji="0" sz="1800" b="0" i="0" u="none" strike="noStrike" cap="none" spc="0" normalizeH="0" baseline="0">
             <a:ln>
               <a:noFill/>
             </a:ln>
@@ -8536,7 +8926,7 @@
           <a:buFontTx/>
           <a:buNone/>
           <a:tabLst/>
-          <a:defRPr b="0" baseline="0" cap="none" i="0" spc="0" strike="noStrike" sz="1800" u="none" kumimoji="0" normalizeH="0">
+          <a:defRPr kumimoji="0" sz="1800" b="0" i="0" u="none" strike="noStrike" cap="none" spc="0" normalizeH="0" baseline="0">
             <a:ln>
               <a:noFill/>
             </a:ln>
@@ -8562,7 +8952,7 @@
           <a:buFontTx/>
           <a:buNone/>
           <a:tabLst/>
-          <a:defRPr b="0" baseline="0" cap="none" i="0" spc="0" strike="noStrike" sz="1800" u="none" kumimoji="0" normalizeH="0">
+          <a:defRPr kumimoji="0" sz="1800" b="0" i="0" u="none" strike="noStrike" cap="none" spc="0" normalizeH="0" baseline="0">
             <a:ln>
               <a:noFill/>
             </a:ln>
@@ -8588,7 +8978,7 @@
           <a:buFontTx/>
           <a:buNone/>
           <a:tabLst/>
-          <a:defRPr b="0" baseline="0" cap="none" i="0" spc="0" strike="noStrike" sz="1800" u="none" kumimoji="0" normalizeH="0">
+          <a:defRPr kumimoji="0" sz="1800" b="0" i="0" u="none" strike="noStrike" cap="none" spc="0" normalizeH="0" baseline="0">
             <a:ln>
               <a:noFill/>
             </a:ln>
@@ -8614,7 +9004,7 @@
           <a:buFontTx/>
           <a:buNone/>
           <a:tabLst/>
-          <a:defRPr b="0" baseline="0" cap="none" i="0" spc="0" strike="noStrike" sz="1800" u="none" kumimoji="0" normalizeH="0">
+          <a:defRPr kumimoji="0" sz="1800" b="0" i="0" u="none" strike="noStrike" cap="none" spc="0" normalizeH="0" baseline="0">
             <a:ln>
               <a:noFill/>
             </a:ln>
@@ -8640,7 +9030,7 @@
           <a:buFontTx/>
           <a:buNone/>
           <a:tabLst/>
-          <a:defRPr b="0" baseline="0" cap="none" i="0" spc="0" strike="noStrike" sz="1800" u="none" kumimoji="0" normalizeH="0">
+          <a:defRPr kumimoji="0" sz="1800" b="0" i="0" u="none" strike="noStrike" cap="none" spc="0" normalizeH="0" baseline="0">
             <a:ln>
               <a:noFill/>
             </a:ln>
@@ -8653,12 +9043,19 @@
         </a:lvl9pPr>
       </a:lstStyle>
       <a:style>
-        <a:lnRef idx="0"/>
-        <a:fillRef idx="0"/>
-        <a:effectRef idx="0"/>
+        <a:lnRef idx="0">
+          <a:scrgbClr r="0" g="0" b="0"/>
+        </a:lnRef>
+        <a:fillRef idx="0">
+          <a:scrgbClr r="0" g="0" b="0"/>
+        </a:fillRef>
+        <a:effectRef idx="0">
+          <a:scrgbClr r="0" g="0" b="0"/>
+        </a:effectRef>
         <a:fontRef idx="none"/>
       </a:style>
     </a:txDef>
   </a:objectDefaults>
+  <a:extraClrSchemeLst/>
 </a:theme>
 </file>